--- a/Slides/presentation_4.pptx
+++ b/Slides/presentation_4.pptx
@@ -270,7 +270,7 @@
               <a:pPr>
                 <a:defRPr/>
               </a:pPr>
-              <a:t>12/10/2014</a:t>
+              <a:t>9/14/2016</a:t>
             </a:fld>
             <a:endParaRPr lang="en-US"/>
           </a:p>
@@ -306,7 +306,7 @@
           <a:lstStyle/>
           <a:p>
             <a:pPr lvl="0"/>
-            <a:endParaRPr lang="en-US" noProof="0" smtClean="0"/>
+            <a:endParaRPr lang="en-US" noProof="0"/>
           </a:p>
         </p:txBody>
       </p:sp>
@@ -335,35 +335,35 @@
           <a:p>
             <a:pPr lvl="0"/>
             <a:r>
-              <a:rPr lang="en-US" noProof="0" smtClean="0"/>
+              <a:rPr lang="en-US" noProof="0"/>
               <a:t>Click to edit Master text styles</a:t>
             </a:r>
           </a:p>
           <a:p>
             <a:pPr lvl="1"/>
             <a:r>
-              <a:rPr lang="en-US" noProof="0" smtClean="0"/>
+              <a:rPr lang="en-US" noProof="0"/>
               <a:t>Second level</a:t>
             </a:r>
           </a:p>
           <a:p>
             <a:pPr lvl="2"/>
             <a:r>
-              <a:rPr lang="en-US" noProof="0" smtClean="0"/>
+              <a:rPr lang="en-US" noProof="0"/>
               <a:t>Third level</a:t>
             </a:r>
           </a:p>
           <a:p>
             <a:pPr lvl="3"/>
             <a:r>
-              <a:rPr lang="en-US" noProof="0" smtClean="0"/>
+              <a:rPr lang="en-US" noProof="0"/>
               <a:t>Fourth level</a:t>
             </a:r>
           </a:p>
           <a:p>
             <a:pPr lvl="4"/>
             <a:r>
-              <a:rPr lang="en-US" noProof="0" smtClean="0"/>
+              <a:rPr lang="en-US" noProof="0"/>
               <a:t>Fifth level</a:t>
             </a:r>
           </a:p>
@@ -629,14 +629,14 @@
           </a:ln>
           <a:extLst>
             <a:ext uri="{909E8E84-426E-40dd-AFC4-6F175D3DCCD1}">
-              <a14:hiddenFill xmlns="" xmlns:a14="http://schemas.microsoft.com/office/drawing/2010/main">
+              <a14:hiddenFill xmlns:a14="http://schemas.microsoft.com/office/drawing/2010/main" xmlns="">
                 <a:solidFill>
                   <a:srgbClr val="FFFFFF"/>
                 </a:solidFill>
               </a14:hiddenFill>
             </a:ext>
             <a:ext uri="{91240B29-F687-4f45-9708-019B960494DF}">
-              <a14:hiddenLine xmlns="" xmlns:a14="http://schemas.microsoft.com/office/drawing/2010/main" w="9525">
+              <a14:hiddenLine xmlns:a14="http://schemas.microsoft.com/office/drawing/2010/main" xmlns="" w="9525">
                 <a:solidFill>
                   <a:srgbClr val="000000"/>
                 </a:solidFill>
@@ -669,10 +669,9 @@
           <a:lstStyle/>
           <a:p>
             <a:r>
-              <a:rPr lang="en-US" smtClean="0"/>
+              <a:rPr lang="en-US"/>
               <a:t>Click to edit Master title style</a:t>
             </a:r>
-            <a:endParaRPr lang="en-US"/>
           </a:p>
         </p:txBody>
       </p:sp>
@@ -737,10 +736,9 @@
           </a:lstStyle>
           <a:p>
             <a:r>
-              <a:rPr lang="en-US" smtClean="0"/>
+              <a:rPr lang="en-US"/>
               <a:t>Click to edit Master subtitle style</a:t>
             </a:r>
-            <a:endParaRPr lang="en-US"/>
           </a:p>
         </p:txBody>
       </p:sp>
@@ -791,10 +789,9 @@
           <a:lstStyle/>
           <a:p>
             <a:r>
-              <a:rPr lang="en-US" smtClean="0"/>
+              <a:rPr lang="en-US"/>
               <a:t>Click to edit Master title style</a:t>
             </a:r>
-            <a:endParaRPr lang="en-US"/>
           </a:p>
         </p:txBody>
       </p:sp>
@@ -823,38 +820,37 @@
           <a:p>
             <a:pPr lvl="0"/>
             <a:r>
-              <a:rPr lang="en-US" smtClean="0"/>
+              <a:rPr lang="en-US"/>
               <a:t>Click to edit Master text styles</a:t>
             </a:r>
           </a:p>
           <a:p>
             <a:pPr lvl="1"/>
             <a:r>
-              <a:rPr lang="en-US" smtClean="0"/>
+              <a:rPr lang="en-US"/>
               <a:t>Second level</a:t>
             </a:r>
           </a:p>
           <a:p>
             <a:pPr lvl="2"/>
             <a:r>
-              <a:rPr lang="en-US" smtClean="0"/>
+              <a:rPr lang="en-US"/>
               <a:t>Third level</a:t>
             </a:r>
           </a:p>
           <a:p>
             <a:pPr lvl="3"/>
             <a:r>
-              <a:rPr lang="en-US" smtClean="0"/>
+              <a:rPr lang="en-US"/>
               <a:t>Fourth level</a:t>
             </a:r>
           </a:p>
           <a:p>
             <a:pPr lvl="4"/>
             <a:r>
-              <a:rPr lang="en-US" smtClean="0"/>
+              <a:rPr lang="en-US"/>
               <a:t>Fifth level</a:t>
             </a:r>
-            <a:endParaRPr lang="en-US"/>
           </a:p>
         </p:txBody>
       </p:sp>
@@ -910,10 +906,9 @@
           <a:lstStyle/>
           <a:p>
             <a:r>
-              <a:rPr lang="en-US" smtClean="0"/>
+              <a:rPr lang="en-US"/>
               <a:t>Click to edit Master title style</a:t>
             </a:r>
-            <a:endParaRPr lang="en-US"/>
           </a:p>
         </p:txBody>
       </p:sp>
@@ -942,38 +937,37 @@
           <a:p>
             <a:pPr lvl="0"/>
             <a:r>
-              <a:rPr lang="en-US" smtClean="0"/>
+              <a:rPr lang="en-US"/>
               <a:t>Click to edit Master text styles</a:t>
             </a:r>
           </a:p>
           <a:p>
             <a:pPr lvl="1"/>
             <a:r>
-              <a:rPr lang="en-US" smtClean="0"/>
+              <a:rPr lang="en-US"/>
               <a:t>Second level</a:t>
             </a:r>
           </a:p>
           <a:p>
             <a:pPr lvl="2"/>
             <a:r>
-              <a:rPr lang="en-US" smtClean="0"/>
+              <a:rPr lang="en-US"/>
               <a:t>Third level</a:t>
             </a:r>
           </a:p>
           <a:p>
             <a:pPr lvl="3"/>
             <a:r>
-              <a:rPr lang="en-US" smtClean="0"/>
+              <a:rPr lang="en-US"/>
               <a:t>Fourth level</a:t>
             </a:r>
           </a:p>
           <a:p>
             <a:pPr lvl="4"/>
             <a:r>
-              <a:rPr lang="en-US" smtClean="0"/>
+              <a:rPr lang="en-US"/>
               <a:t>Fifth level</a:t>
             </a:r>
-            <a:endParaRPr lang="en-US"/>
           </a:p>
         </p:txBody>
       </p:sp>
@@ -1029,10 +1023,9 @@
           <a:lstStyle/>
           <a:p>
             <a:r>
-              <a:rPr lang="en-US" smtClean="0"/>
+              <a:rPr lang="en-US"/>
               <a:t>Click to edit Master title style</a:t>
             </a:r>
-            <a:endParaRPr lang="en-US"/>
           </a:p>
         </p:txBody>
       </p:sp>
@@ -1097,10 +1090,9 @@
           </a:lstStyle>
           <a:p>
             <a:r>
-              <a:rPr lang="en-US" smtClean="0"/>
+              <a:rPr lang="en-US"/>
               <a:t>Click to edit Master subtitle style</a:t>
             </a:r>
-            <a:endParaRPr lang="en-US"/>
           </a:p>
         </p:txBody>
       </p:sp>
@@ -1186,10 +1178,9 @@
           <a:lstStyle/>
           <a:p>
             <a:r>
-              <a:rPr lang="en-US" smtClean="0"/>
+              <a:rPr lang="en-US"/>
               <a:t>Click to edit Master title style</a:t>
             </a:r>
-            <a:endParaRPr lang="en-US"/>
           </a:p>
         </p:txBody>
       </p:sp>
@@ -1218,38 +1209,37 @@
           <a:p>
             <a:pPr lvl="0"/>
             <a:r>
-              <a:rPr lang="en-US" smtClean="0"/>
+              <a:rPr lang="en-US"/>
               <a:t>Click to edit Master text styles</a:t>
             </a:r>
           </a:p>
           <a:p>
             <a:pPr lvl="1"/>
             <a:r>
-              <a:rPr lang="en-US" smtClean="0"/>
+              <a:rPr lang="en-US"/>
               <a:t>Second level</a:t>
             </a:r>
           </a:p>
           <a:p>
             <a:pPr lvl="2"/>
             <a:r>
-              <a:rPr lang="en-US" smtClean="0"/>
+              <a:rPr lang="en-US"/>
               <a:t>Third level</a:t>
             </a:r>
           </a:p>
           <a:p>
             <a:pPr lvl="3"/>
             <a:r>
-              <a:rPr lang="en-US" smtClean="0"/>
+              <a:rPr lang="en-US"/>
               <a:t>Fourth level</a:t>
             </a:r>
           </a:p>
           <a:p>
             <a:pPr lvl="4"/>
             <a:r>
-              <a:rPr lang="en-US" smtClean="0"/>
+              <a:rPr lang="en-US"/>
               <a:t>Fifth level</a:t>
             </a:r>
-            <a:endParaRPr lang="en-US"/>
           </a:p>
         </p:txBody>
       </p:sp>
@@ -1344,10 +1334,9 @@
           </a:lstStyle>
           <a:p>
             <a:r>
-              <a:rPr lang="en-US" smtClean="0"/>
+              <a:rPr lang="en-US"/>
               <a:t>Click to edit Master title style</a:t>
             </a:r>
-            <a:endParaRPr lang="en-US"/>
           </a:p>
         </p:txBody>
       </p:sp>
@@ -1413,7 +1402,7 @@
           <a:p>
             <a:pPr lvl="0"/>
             <a:r>
-              <a:rPr lang="en-US" smtClean="0"/>
+              <a:rPr lang="en-US"/>
               <a:t>Click to edit Master text styles</a:t>
             </a:r>
           </a:p>
@@ -1501,10 +1490,9 @@
           <a:lstStyle/>
           <a:p>
             <a:r>
-              <a:rPr lang="en-US" smtClean="0"/>
+              <a:rPr lang="en-US"/>
               <a:t>Click to edit Master title style</a:t>
             </a:r>
-            <a:endParaRPr lang="en-US"/>
           </a:p>
         </p:txBody>
       </p:sp>
@@ -1561,38 +1549,37 @@
           <a:p>
             <a:pPr lvl="0"/>
             <a:r>
-              <a:rPr lang="en-US" smtClean="0"/>
+              <a:rPr lang="en-US"/>
               <a:t>Click to edit Master text styles</a:t>
             </a:r>
           </a:p>
           <a:p>
             <a:pPr lvl="1"/>
             <a:r>
-              <a:rPr lang="en-US" smtClean="0"/>
+              <a:rPr lang="en-US"/>
               <a:t>Second level</a:t>
             </a:r>
           </a:p>
           <a:p>
             <a:pPr lvl="2"/>
             <a:r>
-              <a:rPr lang="en-US" smtClean="0"/>
+              <a:rPr lang="en-US"/>
               <a:t>Third level</a:t>
             </a:r>
           </a:p>
           <a:p>
             <a:pPr lvl="3"/>
             <a:r>
-              <a:rPr lang="en-US" smtClean="0"/>
+              <a:rPr lang="en-US"/>
               <a:t>Fourth level</a:t>
             </a:r>
           </a:p>
           <a:p>
             <a:pPr lvl="4"/>
             <a:r>
-              <a:rPr lang="en-US" smtClean="0"/>
+              <a:rPr lang="en-US"/>
               <a:t>Fifth level</a:t>
             </a:r>
-            <a:endParaRPr lang="en-US"/>
           </a:p>
         </p:txBody>
       </p:sp>
@@ -1649,38 +1636,37 @@
           <a:p>
             <a:pPr lvl="0"/>
             <a:r>
-              <a:rPr lang="en-US" smtClean="0"/>
+              <a:rPr lang="en-US"/>
               <a:t>Click to edit Master text styles</a:t>
             </a:r>
           </a:p>
           <a:p>
             <a:pPr lvl="1"/>
             <a:r>
-              <a:rPr lang="en-US" smtClean="0"/>
+              <a:rPr lang="en-US"/>
               <a:t>Second level</a:t>
             </a:r>
           </a:p>
           <a:p>
             <a:pPr lvl="2"/>
             <a:r>
-              <a:rPr lang="en-US" smtClean="0"/>
+              <a:rPr lang="en-US"/>
               <a:t>Third level</a:t>
             </a:r>
           </a:p>
           <a:p>
             <a:pPr lvl="3"/>
             <a:r>
-              <a:rPr lang="en-US" smtClean="0"/>
+              <a:rPr lang="en-US"/>
               <a:t>Fourth level</a:t>
             </a:r>
           </a:p>
           <a:p>
             <a:pPr lvl="4"/>
             <a:r>
-              <a:rPr lang="en-US" smtClean="0"/>
+              <a:rPr lang="en-US"/>
               <a:t>Fifth level</a:t>
             </a:r>
-            <a:endParaRPr lang="en-US"/>
           </a:p>
         </p:txBody>
       </p:sp>
@@ -1775,10 +1761,9 @@
           </a:lstStyle>
           <a:p>
             <a:r>
-              <a:rPr lang="en-US" smtClean="0"/>
+              <a:rPr lang="en-US"/>
               <a:t>Click to edit Master title style</a:t>
             </a:r>
-            <a:endParaRPr lang="en-US"/>
           </a:p>
         </p:txBody>
       </p:sp>
@@ -1844,7 +1829,7 @@
           <a:p>
             <a:pPr lvl="0"/>
             <a:r>
-              <a:rPr lang="en-US" smtClean="0"/>
+              <a:rPr lang="en-US"/>
               <a:t>Click to edit Master text styles</a:t>
             </a:r>
           </a:p>
@@ -1903,38 +1888,37 @@
           <a:p>
             <a:pPr lvl="0"/>
             <a:r>
-              <a:rPr lang="en-US" smtClean="0"/>
+              <a:rPr lang="en-US"/>
               <a:t>Click to edit Master text styles</a:t>
             </a:r>
           </a:p>
           <a:p>
             <a:pPr lvl="1"/>
             <a:r>
-              <a:rPr lang="en-US" smtClean="0"/>
+              <a:rPr lang="en-US"/>
               <a:t>Second level</a:t>
             </a:r>
           </a:p>
           <a:p>
             <a:pPr lvl="2"/>
             <a:r>
-              <a:rPr lang="en-US" smtClean="0"/>
+              <a:rPr lang="en-US"/>
               <a:t>Third level</a:t>
             </a:r>
           </a:p>
           <a:p>
             <a:pPr lvl="3"/>
             <a:r>
-              <a:rPr lang="en-US" smtClean="0"/>
+              <a:rPr lang="en-US"/>
               <a:t>Fourth level</a:t>
             </a:r>
           </a:p>
           <a:p>
             <a:pPr lvl="4"/>
             <a:r>
-              <a:rPr lang="en-US" smtClean="0"/>
+              <a:rPr lang="en-US"/>
               <a:t>Fifth level</a:t>
             </a:r>
-            <a:endParaRPr lang="en-US"/>
           </a:p>
         </p:txBody>
       </p:sp>
@@ -2000,7 +1984,7 @@
           <a:p>
             <a:pPr lvl="0"/>
             <a:r>
-              <a:rPr lang="en-US" smtClean="0"/>
+              <a:rPr lang="en-US"/>
               <a:t>Click to edit Master text styles</a:t>
             </a:r>
           </a:p>
@@ -2059,38 +2043,37 @@
           <a:p>
             <a:pPr lvl="0"/>
             <a:r>
-              <a:rPr lang="en-US" smtClean="0"/>
+              <a:rPr lang="en-US"/>
               <a:t>Click to edit Master text styles</a:t>
             </a:r>
           </a:p>
           <a:p>
             <a:pPr lvl="1"/>
             <a:r>
-              <a:rPr lang="en-US" smtClean="0"/>
+              <a:rPr lang="en-US"/>
               <a:t>Second level</a:t>
             </a:r>
           </a:p>
           <a:p>
             <a:pPr lvl="2"/>
             <a:r>
-              <a:rPr lang="en-US" smtClean="0"/>
+              <a:rPr lang="en-US"/>
               <a:t>Third level</a:t>
             </a:r>
           </a:p>
           <a:p>
             <a:pPr lvl="3"/>
             <a:r>
-              <a:rPr lang="en-US" smtClean="0"/>
+              <a:rPr lang="en-US"/>
               <a:t>Fourth level</a:t>
             </a:r>
           </a:p>
           <a:p>
             <a:pPr lvl="4"/>
             <a:r>
-              <a:rPr lang="en-US" smtClean="0"/>
+              <a:rPr lang="en-US"/>
               <a:t>Fifth level</a:t>
             </a:r>
-            <a:endParaRPr lang="en-US"/>
           </a:p>
         </p:txBody>
       </p:sp>
@@ -2176,10 +2159,9 @@
           <a:lstStyle/>
           <a:p>
             <a:r>
-              <a:rPr lang="en-US" smtClean="0"/>
+              <a:rPr lang="en-US"/>
               <a:t>Click to edit Master title style</a:t>
             </a:r>
-            <a:endParaRPr lang="en-US"/>
           </a:p>
         </p:txBody>
       </p:sp>
@@ -2340,10 +2322,9 @@
           </a:lstStyle>
           <a:p>
             <a:r>
-              <a:rPr lang="en-US" smtClean="0"/>
+              <a:rPr lang="en-US"/>
               <a:t>Click to edit Master title style</a:t>
             </a:r>
-            <a:endParaRPr lang="en-US"/>
           </a:p>
         </p:txBody>
       </p:sp>
@@ -2400,38 +2381,37 @@
           <a:p>
             <a:pPr lvl="0"/>
             <a:r>
-              <a:rPr lang="en-US" smtClean="0"/>
+              <a:rPr lang="en-US"/>
               <a:t>Click to edit Master text styles</a:t>
             </a:r>
           </a:p>
           <a:p>
             <a:pPr lvl="1"/>
             <a:r>
-              <a:rPr lang="en-US" smtClean="0"/>
+              <a:rPr lang="en-US"/>
               <a:t>Second level</a:t>
             </a:r>
           </a:p>
           <a:p>
             <a:pPr lvl="2"/>
             <a:r>
-              <a:rPr lang="en-US" smtClean="0"/>
+              <a:rPr lang="en-US"/>
               <a:t>Third level</a:t>
             </a:r>
           </a:p>
           <a:p>
             <a:pPr lvl="3"/>
             <a:r>
-              <a:rPr lang="en-US" smtClean="0"/>
+              <a:rPr lang="en-US"/>
               <a:t>Fourth level</a:t>
             </a:r>
           </a:p>
           <a:p>
             <a:pPr lvl="4"/>
             <a:r>
-              <a:rPr lang="en-US" smtClean="0"/>
+              <a:rPr lang="en-US"/>
               <a:t>Fifth level</a:t>
             </a:r>
-            <a:endParaRPr lang="en-US"/>
           </a:p>
         </p:txBody>
       </p:sp>
@@ -2497,7 +2477,7 @@
           <a:p>
             <a:pPr lvl="0"/>
             <a:r>
-              <a:rPr lang="en-US" smtClean="0"/>
+              <a:rPr lang="en-US"/>
               <a:t>Click to edit Master text styles</a:t>
             </a:r>
           </a:p>
@@ -2585,10 +2565,9 @@
           <a:lstStyle/>
           <a:p>
             <a:r>
-              <a:rPr lang="en-US" smtClean="0"/>
+              <a:rPr lang="en-US"/>
               <a:t>Click to edit Master title style</a:t>
             </a:r>
-            <a:endParaRPr lang="en-US"/>
           </a:p>
         </p:txBody>
       </p:sp>
@@ -2617,38 +2596,37 @@
           <a:p>
             <a:pPr lvl="0"/>
             <a:r>
-              <a:rPr lang="en-US" smtClean="0"/>
+              <a:rPr lang="en-US"/>
               <a:t>Click to edit Master text styles</a:t>
             </a:r>
           </a:p>
           <a:p>
             <a:pPr lvl="1"/>
             <a:r>
-              <a:rPr lang="en-US" smtClean="0"/>
+              <a:rPr lang="en-US"/>
               <a:t>Second level</a:t>
             </a:r>
           </a:p>
           <a:p>
             <a:pPr lvl="2"/>
             <a:r>
-              <a:rPr lang="en-US" smtClean="0"/>
+              <a:rPr lang="en-US"/>
               <a:t>Third level</a:t>
             </a:r>
           </a:p>
           <a:p>
             <a:pPr lvl="3"/>
             <a:r>
-              <a:rPr lang="en-US" smtClean="0"/>
+              <a:rPr lang="en-US"/>
               <a:t>Fourth level</a:t>
             </a:r>
           </a:p>
           <a:p>
             <a:pPr lvl="4"/>
             <a:r>
-              <a:rPr lang="en-US" smtClean="0"/>
+              <a:rPr lang="en-US"/>
               <a:t>Fifth level</a:t>
             </a:r>
-            <a:endParaRPr lang="en-US"/>
           </a:p>
         </p:txBody>
       </p:sp>
@@ -2708,10 +2686,9 @@
           </a:lstStyle>
           <a:p>
             <a:r>
-              <a:rPr lang="en-US" smtClean="0"/>
+              <a:rPr lang="en-US"/>
               <a:t>Click to edit Master title style</a:t>
             </a:r>
-            <a:endParaRPr lang="en-US"/>
           </a:p>
         </p:txBody>
       </p:sp>
@@ -2776,7 +2753,7 @@
           </a:lstStyle>
           <a:p>
             <a:pPr lvl="0"/>
-            <a:endParaRPr lang="en-US" noProof="0" smtClean="0">
+            <a:endParaRPr lang="en-US" noProof="0">
               <a:sym typeface="Gill Sans" charset="0"/>
             </a:endParaRPr>
           </a:p>
@@ -2844,7 +2821,7 @@
           <a:p>
             <a:pPr lvl="0"/>
             <a:r>
-              <a:rPr lang="en-US" smtClean="0"/>
+              <a:rPr lang="en-US"/>
               <a:t>Click to edit Master text styles</a:t>
             </a:r>
           </a:p>
@@ -2932,10 +2909,9 @@
           <a:lstStyle/>
           <a:p>
             <a:r>
-              <a:rPr lang="en-US" smtClean="0"/>
+              <a:rPr lang="en-US"/>
               <a:t>Click to edit Master title style</a:t>
             </a:r>
-            <a:endParaRPr lang="en-US"/>
           </a:p>
         </p:txBody>
       </p:sp>
@@ -2964,38 +2940,37 @@
           <a:p>
             <a:pPr lvl="0"/>
             <a:r>
-              <a:rPr lang="en-US" smtClean="0"/>
+              <a:rPr lang="en-US"/>
               <a:t>Click to edit Master text styles</a:t>
             </a:r>
           </a:p>
           <a:p>
             <a:pPr lvl="1"/>
             <a:r>
-              <a:rPr lang="en-US" smtClean="0"/>
+              <a:rPr lang="en-US"/>
               <a:t>Second level</a:t>
             </a:r>
           </a:p>
           <a:p>
             <a:pPr lvl="2"/>
             <a:r>
-              <a:rPr lang="en-US" smtClean="0"/>
+              <a:rPr lang="en-US"/>
               <a:t>Third level</a:t>
             </a:r>
           </a:p>
           <a:p>
             <a:pPr lvl="3"/>
             <a:r>
-              <a:rPr lang="en-US" smtClean="0"/>
+              <a:rPr lang="en-US"/>
               <a:t>Fourth level</a:t>
             </a:r>
           </a:p>
           <a:p>
             <a:pPr lvl="4"/>
             <a:r>
-              <a:rPr lang="en-US" smtClean="0"/>
+              <a:rPr lang="en-US"/>
               <a:t>Fifth level</a:t>
             </a:r>
-            <a:endParaRPr lang="en-US"/>
           </a:p>
         </p:txBody>
       </p:sp>
@@ -3086,10 +3061,9 @@
           <a:lstStyle/>
           <a:p>
             <a:r>
-              <a:rPr lang="en-US" smtClean="0"/>
+              <a:rPr lang="en-US"/>
               <a:t>Click to edit Master title style</a:t>
             </a:r>
-            <a:endParaRPr lang="en-US"/>
           </a:p>
         </p:txBody>
       </p:sp>
@@ -3118,38 +3092,37 @@
           <a:p>
             <a:pPr lvl="0"/>
             <a:r>
-              <a:rPr lang="en-US" smtClean="0"/>
+              <a:rPr lang="en-US"/>
               <a:t>Click to edit Master text styles</a:t>
             </a:r>
           </a:p>
           <a:p>
             <a:pPr lvl="1"/>
             <a:r>
-              <a:rPr lang="en-US" smtClean="0"/>
+              <a:rPr lang="en-US"/>
               <a:t>Second level</a:t>
             </a:r>
           </a:p>
           <a:p>
             <a:pPr lvl="2"/>
             <a:r>
-              <a:rPr lang="en-US" smtClean="0"/>
+              <a:rPr lang="en-US"/>
               <a:t>Third level</a:t>
             </a:r>
           </a:p>
           <a:p>
             <a:pPr lvl="3"/>
             <a:r>
-              <a:rPr lang="en-US" smtClean="0"/>
+              <a:rPr lang="en-US"/>
               <a:t>Fourth level</a:t>
             </a:r>
           </a:p>
           <a:p>
             <a:pPr lvl="4"/>
             <a:r>
-              <a:rPr lang="en-US" smtClean="0"/>
+              <a:rPr lang="en-US"/>
               <a:t>Fifth level</a:t>
             </a:r>
-            <a:endParaRPr lang="en-US"/>
           </a:p>
         </p:txBody>
       </p:sp>
@@ -3243,10 +3216,9 @@
           <a:lstStyle/>
           <a:p>
             <a:r>
-              <a:rPr lang="en-US" smtClean="0"/>
+              <a:rPr lang="en-US"/>
               <a:t>Click to edit Master title style</a:t>
             </a:r>
-            <a:endParaRPr lang="en-US"/>
           </a:p>
         </p:txBody>
       </p:sp>
@@ -3308,10 +3280,9 @@
           </a:lstStyle>
           <a:p>
             <a:r>
-              <a:rPr lang="en-US" smtClean="0"/>
+              <a:rPr lang="en-US"/>
               <a:t>Click to edit Master subtitle style</a:t>
             </a:r>
-            <a:endParaRPr lang="en-US"/>
           </a:p>
         </p:txBody>
       </p:sp>
@@ -3405,10 +3376,9 @@
           <a:lstStyle/>
           <a:p>
             <a:r>
-              <a:rPr lang="en-US" smtClean="0"/>
+              <a:rPr lang="en-US"/>
               <a:t>Click to edit Master title style</a:t>
             </a:r>
-            <a:endParaRPr lang="en-US"/>
           </a:p>
         </p:txBody>
       </p:sp>
@@ -3429,38 +3399,37 @@
           <a:p>
             <a:pPr lvl="0"/>
             <a:r>
-              <a:rPr lang="en-US" smtClean="0"/>
+              <a:rPr lang="en-US"/>
               <a:t>Click to edit Master text styles</a:t>
             </a:r>
           </a:p>
           <a:p>
             <a:pPr lvl="1"/>
             <a:r>
-              <a:rPr lang="en-US" smtClean="0"/>
+              <a:rPr lang="en-US"/>
               <a:t>Second level</a:t>
             </a:r>
           </a:p>
           <a:p>
             <a:pPr lvl="2"/>
             <a:r>
-              <a:rPr lang="en-US" smtClean="0"/>
+              <a:rPr lang="en-US"/>
               <a:t>Third level</a:t>
             </a:r>
           </a:p>
           <a:p>
             <a:pPr lvl="3"/>
             <a:r>
-              <a:rPr lang="en-US" smtClean="0"/>
+              <a:rPr lang="en-US"/>
               <a:t>Fourth level</a:t>
             </a:r>
           </a:p>
           <a:p>
             <a:pPr lvl="4"/>
             <a:r>
-              <a:rPr lang="en-US" smtClean="0"/>
+              <a:rPr lang="en-US"/>
               <a:t>Fifth level</a:t>
             </a:r>
-            <a:endParaRPr lang="en-US"/>
           </a:p>
         </p:txBody>
       </p:sp>
@@ -3558,10 +3527,9 @@
           </a:lstStyle>
           <a:p>
             <a:r>
-              <a:rPr lang="en-US" smtClean="0"/>
+              <a:rPr lang="en-US"/>
               <a:t>Click to edit Master title style</a:t>
             </a:r>
-            <a:endParaRPr lang="en-US"/>
           </a:p>
         </p:txBody>
       </p:sp>
@@ -3624,7 +3592,7 @@
           <a:p>
             <a:pPr lvl="0"/>
             <a:r>
-              <a:rPr lang="en-US" smtClean="0"/>
+              <a:rPr lang="en-US"/>
               <a:t>Click to edit Master text styles</a:t>
             </a:r>
           </a:p>
@@ -3720,10 +3688,9 @@
           <a:lstStyle/>
           <a:p>
             <a:r>
-              <a:rPr lang="en-US" smtClean="0"/>
+              <a:rPr lang="en-US"/>
               <a:t>Click to edit Master title style</a:t>
             </a:r>
-            <a:endParaRPr lang="en-US"/>
           </a:p>
         </p:txBody>
       </p:sp>
@@ -3777,38 +3744,37 @@
           <a:p>
             <a:pPr lvl="0"/>
             <a:r>
-              <a:rPr lang="en-US" smtClean="0"/>
+              <a:rPr lang="en-US"/>
               <a:t>Click to edit Master text styles</a:t>
             </a:r>
           </a:p>
           <a:p>
             <a:pPr lvl="1"/>
             <a:r>
-              <a:rPr lang="en-US" smtClean="0"/>
+              <a:rPr lang="en-US"/>
               <a:t>Second level</a:t>
             </a:r>
           </a:p>
           <a:p>
             <a:pPr lvl="2"/>
             <a:r>
-              <a:rPr lang="en-US" smtClean="0"/>
+              <a:rPr lang="en-US"/>
               <a:t>Third level</a:t>
             </a:r>
           </a:p>
           <a:p>
             <a:pPr lvl="3"/>
             <a:r>
-              <a:rPr lang="en-US" smtClean="0"/>
+              <a:rPr lang="en-US"/>
               <a:t>Fourth level</a:t>
             </a:r>
           </a:p>
           <a:p>
             <a:pPr lvl="4"/>
             <a:r>
-              <a:rPr lang="en-US" smtClean="0"/>
+              <a:rPr lang="en-US"/>
               <a:t>Fifth level</a:t>
             </a:r>
-            <a:endParaRPr lang="en-US"/>
           </a:p>
         </p:txBody>
       </p:sp>
@@ -3862,38 +3828,37 @@
           <a:p>
             <a:pPr lvl="0"/>
             <a:r>
-              <a:rPr lang="en-US" smtClean="0"/>
+              <a:rPr lang="en-US"/>
               <a:t>Click to edit Master text styles</a:t>
             </a:r>
           </a:p>
           <a:p>
             <a:pPr lvl="1"/>
             <a:r>
-              <a:rPr lang="en-US" smtClean="0"/>
+              <a:rPr lang="en-US"/>
               <a:t>Second level</a:t>
             </a:r>
           </a:p>
           <a:p>
             <a:pPr lvl="2"/>
             <a:r>
-              <a:rPr lang="en-US" smtClean="0"/>
+              <a:rPr lang="en-US"/>
               <a:t>Third level</a:t>
             </a:r>
           </a:p>
           <a:p>
             <a:pPr lvl="3"/>
             <a:r>
-              <a:rPr lang="en-US" smtClean="0"/>
+              <a:rPr lang="en-US"/>
               <a:t>Fourth level</a:t>
             </a:r>
           </a:p>
           <a:p>
             <a:pPr lvl="4"/>
             <a:r>
-              <a:rPr lang="en-US" smtClean="0"/>
+              <a:rPr lang="en-US"/>
               <a:t>Fifth level</a:t>
             </a:r>
-            <a:endParaRPr lang="en-US"/>
           </a:p>
         </p:txBody>
       </p:sp>
@@ -3991,10 +3956,9 @@
           </a:lstStyle>
           <a:p>
             <a:r>
-              <a:rPr lang="en-US" smtClean="0"/>
+              <a:rPr lang="en-US"/>
               <a:t>Click to edit Master title style</a:t>
             </a:r>
-            <a:endParaRPr lang="en-US"/>
           </a:p>
         </p:txBody>
       </p:sp>
@@ -4057,7 +4021,7 @@
           <a:p>
             <a:pPr lvl="0"/>
             <a:r>
-              <a:rPr lang="en-US" smtClean="0"/>
+              <a:rPr lang="en-US"/>
               <a:t>Click to edit Master text styles</a:t>
             </a:r>
           </a:p>
@@ -4113,38 +4077,37 @@
           <a:p>
             <a:pPr lvl="0"/>
             <a:r>
-              <a:rPr lang="en-US" smtClean="0"/>
+              <a:rPr lang="en-US"/>
               <a:t>Click to edit Master text styles</a:t>
             </a:r>
           </a:p>
           <a:p>
             <a:pPr lvl="1"/>
             <a:r>
-              <a:rPr lang="en-US" smtClean="0"/>
+              <a:rPr lang="en-US"/>
               <a:t>Second level</a:t>
             </a:r>
           </a:p>
           <a:p>
             <a:pPr lvl="2"/>
             <a:r>
-              <a:rPr lang="en-US" smtClean="0"/>
+              <a:rPr lang="en-US"/>
               <a:t>Third level</a:t>
             </a:r>
           </a:p>
           <a:p>
             <a:pPr lvl="3"/>
             <a:r>
-              <a:rPr lang="en-US" smtClean="0"/>
+              <a:rPr lang="en-US"/>
               <a:t>Fourth level</a:t>
             </a:r>
           </a:p>
           <a:p>
             <a:pPr lvl="4"/>
             <a:r>
-              <a:rPr lang="en-US" smtClean="0"/>
+              <a:rPr lang="en-US"/>
               <a:t>Fifth level</a:t>
             </a:r>
-            <a:endParaRPr lang="en-US"/>
           </a:p>
         </p:txBody>
       </p:sp>
@@ -4207,7 +4170,7 @@
           <a:p>
             <a:pPr lvl="0"/>
             <a:r>
-              <a:rPr lang="en-US" smtClean="0"/>
+              <a:rPr lang="en-US"/>
               <a:t>Click to edit Master text styles</a:t>
             </a:r>
           </a:p>
@@ -4263,38 +4226,37 @@
           <a:p>
             <a:pPr lvl="0"/>
             <a:r>
-              <a:rPr lang="en-US" smtClean="0"/>
+              <a:rPr lang="en-US"/>
               <a:t>Click to edit Master text styles</a:t>
             </a:r>
           </a:p>
           <a:p>
             <a:pPr lvl="1"/>
             <a:r>
-              <a:rPr lang="en-US" smtClean="0"/>
+              <a:rPr lang="en-US"/>
               <a:t>Second level</a:t>
             </a:r>
           </a:p>
           <a:p>
             <a:pPr lvl="2"/>
             <a:r>
-              <a:rPr lang="en-US" smtClean="0"/>
+              <a:rPr lang="en-US"/>
               <a:t>Third level</a:t>
             </a:r>
           </a:p>
           <a:p>
             <a:pPr lvl="3"/>
             <a:r>
-              <a:rPr lang="en-US" smtClean="0"/>
+              <a:rPr lang="en-US"/>
               <a:t>Fourth level</a:t>
             </a:r>
           </a:p>
           <a:p>
             <a:pPr lvl="4"/>
             <a:r>
-              <a:rPr lang="en-US" smtClean="0"/>
+              <a:rPr lang="en-US"/>
               <a:t>Fifth level</a:t>
             </a:r>
-            <a:endParaRPr lang="en-US"/>
           </a:p>
         </p:txBody>
       </p:sp>
@@ -4388,10 +4350,9 @@
           <a:lstStyle/>
           <a:p>
             <a:r>
-              <a:rPr lang="en-US" smtClean="0"/>
+              <a:rPr lang="en-US"/>
               <a:t>Click to edit Master title style</a:t>
             </a:r>
-            <a:endParaRPr lang="en-US"/>
           </a:p>
         </p:txBody>
       </p:sp>
@@ -4562,14 +4523,14 @@
           </a:ln>
           <a:extLst>
             <a:ext uri="{909E8E84-426E-40dd-AFC4-6F175D3DCCD1}">
-              <a14:hiddenFill xmlns="" xmlns:a14="http://schemas.microsoft.com/office/drawing/2010/main">
+              <a14:hiddenFill xmlns:a14="http://schemas.microsoft.com/office/drawing/2010/main" xmlns="">
                 <a:solidFill>
                   <a:srgbClr val="FFFFFF"/>
                 </a:solidFill>
               </a14:hiddenFill>
             </a:ext>
             <a:ext uri="{91240B29-F687-4f45-9708-019B960494DF}">
-              <a14:hiddenLine xmlns="" xmlns:a14="http://schemas.microsoft.com/office/drawing/2010/main" w="9525">
+              <a14:hiddenLine xmlns:a14="http://schemas.microsoft.com/office/drawing/2010/main" xmlns="" w="9525">
                 <a:solidFill>
                   <a:srgbClr val="000000"/>
                 </a:solidFill>
@@ -4606,10 +4567,9 @@
           </a:lstStyle>
           <a:p>
             <a:r>
-              <a:rPr lang="en-US" smtClean="0"/>
+              <a:rPr lang="en-US"/>
               <a:t>Click to edit Master title style</a:t>
             </a:r>
-            <a:endParaRPr lang="en-US"/>
           </a:p>
         </p:txBody>
       </p:sp>
@@ -4675,7 +4635,7 @@
           <a:p>
             <a:pPr lvl="0"/>
             <a:r>
-              <a:rPr lang="en-US" smtClean="0"/>
+              <a:rPr lang="en-US"/>
               <a:t>Click to edit Master text styles</a:t>
             </a:r>
           </a:p>
@@ -4740,10 +4700,9 @@
           </a:lstStyle>
           <a:p>
             <a:r>
-              <a:rPr lang="en-US" smtClean="0"/>
+              <a:rPr lang="en-US"/>
               <a:t>Click to edit Master title style</a:t>
             </a:r>
-            <a:endParaRPr lang="en-US"/>
           </a:p>
         </p:txBody>
       </p:sp>
@@ -4797,38 +4756,37 @@
           <a:p>
             <a:pPr lvl="0"/>
             <a:r>
-              <a:rPr lang="en-US" smtClean="0"/>
+              <a:rPr lang="en-US"/>
               <a:t>Click to edit Master text styles</a:t>
             </a:r>
           </a:p>
           <a:p>
             <a:pPr lvl="1"/>
             <a:r>
-              <a:rPr lang="en-US" smtClean="0"/>
+              <a:rPr lang="en-US"/>
               <a:t>Second level</a:t>
             </a:r>
           </a:p>
           <a:p>
             <a:pPr lvl="2"/>
             <a:r>
-              <a:rPr lang="en-US" smtClean="0"/>
+              <a:rPr lang="en-US"/>
               <a:t>Third level</a:t>
             </a:r>
           </a:p>
           <a:p>
             <a:pPr lvl="3"/>
             <a:r>
-              <a:rPr lang="en-US" smtClean="0"/>
+              <a:rPr lang="en-US"/>
               <a:t>Fourth level</a:t>
             </a:r>
           </a:p>
           <a:p>
             <a:pPr lvl="4"/>
             <a:r>
-              <a:rPr lang="en-US" smtClean="0"/>
+              <a:rPr lang="en-US"/>
               <a:t>Fifth level</a:t>
             </a:r>
-            <a:endParaRPr lang="en-US"/>
           </a:p>
         </p:txBody>
       </p:sp>
@@ -4891,7 +4849,7 @@
           <a:p>
             <a:pPr lvl="0"/>
             <a:r>
-              <a:rPr lang="en-US" smtClean="0"/>
+              <a:rPr lang="en-US"/>
               <a:t>Click to edit Master text styles</a:t>
             </a:r>
           </a:p>
@@ -4991,10 +4949,9 @@
           </a:lstStyle>
           <a:p>
             <a:r>
-              <a:rPr lang="en-US" smtClean="0"/>
+              <a:rPr lang="en-US"/>
               <a:t>Click to edit Master title style</a:t>
             </a:r>
-            <a:endParaRPr lang="en-US"/>
           </a:p>
         </p:txBody>
       </p:sp>
@@ -5056,7 +5013,7 @@
           </a:lstStyle>
           <a:p>
             <a:pPr lvl="0"/>
-            <a:endParaRPr lang="en-US" noProof="0" smtClean="0">
+            <a:endParaRPr lang="en-US" noProof="0">
               <a:sym typeface="Gill Sans" charset="0"/>
             </a:endParaRPr>
           </a:p>
@@ -5121,7 +5078,7 @@
           <a:p>
             <a:pPr lvl="0"/>
             <a:r>
-              <a:rPr lang="en-US" smtClean="0"/>
+              <a:rPr lang="en-US"/>
               <a:t>Click to edit Master text styles</a:t>
             </a:r>
           </a:p>
@@ -5217,10 +5174,9 @@
           <a:lstStyle/>
           <a:p>
             <a:r>
-              <a:rPr lang="en-US" smtClean="0"/>
+              <a:rPr lang="en-US"/>
               <a:t>Click to edit Master title style</a:t>
             </a:r>
-            <a:endParaRPr lang="en-US"/>
           </a:p>
         </p:txBody>
       </p:sp>
@@ -5241,38 +5197,37 @@
           <a:p>
             <a:pPr lvl="0"/>
             <a:r>
-              <a:rPr lang="en-US" smtClean="0"/>
+              <a:rPr lang="en-US"/>
               <a:t>Click to edit Master text styles</a:t>
             </a:r>
           </a:p>
           <a:p>
             <a:pPr lvl="1"/>
             <a:r>
-              <a:rPr lang="en-US" smtClean="0"/>
+              <a:rPr lang="en-US"/>
               <a:t>Second level</a:t>
             </a:r>
           </a:p>
           <a:p>
             <a:pPr lvl="2"/>
             <a:r>
-              <a:rPr lang="en-US" smtClean="0"/>
+              <a:rPr lang="en-US"/>
               <a:t>Third level</a:t>
             </a:r>
           </a:p>
           <a:p>
             <a:pPr lvl="3"/>
             <a:r>
-              <a:rPr lang="en-US" smtClean="0"/>
+              <a:rPr lang="en-US"/>
               <a:t>Fourth level</a:t>
             </a:r>
           </a:p>
           <a:p>
             <a:pPr lvl="4"/>
             <a:r>
-              <a:rPr lang="en-US" smtClean="0"/>
+              <a:rPr lang="en-US"/>
               <a:t>Fifth level</a:t>
             </a:r>
-            <a:endParaRPr lang="en-US"/>
           </a:p>
         </p:txBody>
       </p:sp>
@@ -5366,10 +5321,9 @@
           <a:lstStyle/>
           <a:p>
             <a:r>
-              <a:rPr lang="en-US" smtClean="0"/>
+              <a:rPr lang="en-US"/>
               <a:t>Click to edit Master title style</a:t>
             </a:r>
-            <a:endParaRPr lang="en-US"/>
           </a:p>
         </p:txBody>
       </p:sp>
@@ -5395,38 +5349,37 @@
           <a:p>
             <a:pPr lvl="0"/>
             <a:r>
-              <a:rPr lang="en-US" smtClean="0"/>
+              <a:rPr lang="en-US"/>
               <a:t>Click to edit Master text styles</a:t>
             </a:r>
           </a:p>
           <a:p>
             <a:pPr lvl="1"/>
             <a:r>
-              <a:rPr lang="en-US" smtClean="0"/>
+              <a:rPr lang="en-US"/>
               <a:t>Second level</a:t>
             </a:r>
           </a:p>
           <a:p>
             <a:pPr lvl="2"/>
             <a:r>
-              <a:rPr lang="en-US" smtClean="0"/>
+              <a:rPr lang="en-US"/>
               <a:t>Third level</a:t>
             </a:r>
           </a:p>
           <a:p>
             <a:pPr lvl="3"/>
             <a:r>
-              <a:rPr lang="en-US" smtClean="0"/>
+              <a:rPr lang="en-US"/>
               <a:t>Fourth level</a:t>
             </a:r>
           </a:p>
           <a:p>
             <a:pPr lvl="4"/>
             <a:r>
-              <a:rPr lang="en-US" smtClean="0"/>
+              <a:rPr lang="en-US"/>
               <a:t>Fifth level</a:t>
             </a:r>
-            <a:endParaRPr lang="en-US"/>
           </a:p>
         </p:txBody>
       </p:sp>
@@ -5520,10 +5473,9 @@
           <a:lstStyle/>
           <a:p>
             <a:r>
-              <a:rPr lang="en-US" smtClean="0"/>
+              <a:rPr lang="en-US"/>
               <a:t>Click to edit Master title style</a:t>
             </a:r>
-            <a:endParaRPr lang="en-US"/>
           </a:p>
         </p:txBody>
       </p:sp>
@@ -5588,10 +5540,9 @@
           </a:lstStyle>
           <a:p>
             <a:r>
-              <a:rPr lang="en-US" smtClean="0"/>
+              <a:rPr lang="en-US"/>
               <a:t>Click to edit Master subtitle style</a:t>
             </a:r>
-            <a:endParaRPr lang="en-US"/>
           </a:p>
         </p:txBody>
       </p:sp>
@@ -5685,10 +5636,9 @@
           <a:lstStyle/>
           <a:p>
             <a:r>
-              <a:rPr lang="en-US" smtClean="0"/>
+              <a:rPr lang="en-US"/>
               <a:t>Click to edit Master title style</a:t>
             </a:r>
-            <a:endParaRPr lang="en-US"/>
           </a:p>
         </p:txBody>
       </p:sp>
@@ -5717,38 +5667,37 @@
           <a:p>
             <a:pPr lvl="0"/>
             <a:r>
-              <a:rPr lang="en-US" smtClean="0"/>
+              <a:rPr lang="en-US"/>
               <a:t>Click to edit Master text styles</a:t>
             </a:r>
           </a:p>
           <a:p>
             <a:pPr lvl="1"/>
             <a:r>
-              <a:rPr lang="en-US" smtClean="0"/>
+              <a:rPr lang="en-US"/>
               <a:t>Second level</a:t>
             </a:r>
           </a:p>
           <a:p>
             <a:pPr lvl="2"/>
             <a:r>
-              <a:rPr lang="en-US" smtClean="0"/>
+              <a:rPr lang="en-US"/>
               <a:t>Third level</a:t>
             </a:r>
           </a:p>
           <a:p>
             <a:pPr lvl="3"/>
             <a:r>
-              <a:rPr lang="en-US" smtClean="0"/>
+              <a:rPr lang="en-US"/>
               <a:t>Fourth level</a:t>
             </a:r>
           </a:p>
           <a:p>
             <a:pPr lvl="4"/>
             <a:r>
-              <a:rPr lang="en-US" smtClean="0"/>
+              <a:rPr lang="en-US"/>
               <a:t>Fifth level</a:t>
             </a:r>
-            <a:endParaRPr lang="en-US"/>
           </a:p>
         </p:txBody>
       </p:sp>
@@ -5846,10 +5795,9 @@
           </a:lstStyle>
           <a:p>
             <a:r>
-              <a:rPr lang="en-US" smtClean="0"/>
+              <a:rPr lang="en-US"/>
               <a:t>Click to edit Master title style</a:t>
             </a:r>
-            <a:endParaRPr lang="en-US"/>
           </a:p>
         </p:txBody>
       </p:sp>
@@ -5915,7 +5863,7 @@
           <a:p>
             <a:pPr lvl="0"/>
             <a:r>
-              <a:rPr lang="en-US" smtClean="0"/>
+              <a:rPr lang="en-US"/>
               <a:t>Click to edit Master text styles</a:t>
             </a:r>
           </a:p>
@@ -6011,10 +5959,9 @@
           <a:lstStyle/>
           <a:p>
             <a:r>
-              <a:rPr lang="en-US" smtClean="0"/>
+              <a:rPr lang="en-US"/>
               <a:t>Click to edit Master title style</a:t>
             </a:r>
-            <a:endParaRPr lang="en-US"/>
           </a:p>
         </p:txBody>
       </p:sp>
@@ -6071,38 +6018,37 @@
           <a:p>
             <a:pPr lvl="0"/>
             <a:r>
-              <a:rPr lang="en-US" smtClean="0"/>
+              <a:rPr lang="en-US"/>
               <a:t>Click to edit Master text styles</a:t>
             </a:r>
           </a:p>
           <a:p>
             <a:pPr lvl="1"/>
             <a:r>
-              <a:rPr lang="en-US" smtClean="0"/>
+              <a:rPr lang="en-US"/>
               <a:t>Second level</a:t>
             </a:r>
           </a:p>
           <a:p>
             <a:pPr lvl="2"/>
             <a:r>
-              <a:rPr lang="en-US" smtClean="0"/>
+              <a:rPr lang="en-US"/>
               <a:t>Third level</a:t>
             </a:r>
           </a:p>
           <a:p>
             <a:pPr lvl="3"/>
             <a:r>
-              <a:rPr lang="en-US" smtClean="0"/>
+              <a:rPr lang="en-US"/>
               <a:t>Fourth level</a:t>
             </a:r>
           </a:p>
           <a:p>
             <a:pPr lvl="4"/>
             <a:r>
-              <a:rPr lang="en-US" smtClean="0"/>
+              <a:rPr lang="en-US"/>
               <a:t>Fifth level</a:t>
             </a:r>
-            <a:endParaRPr lang="en-US"/>
           </a:p>
         </p:txBody>
       </p:sp>
@@ -6159,38 +6105,37 @@
           <a:p>
             <a:pPr lvl="0"/>
             <a:r>
-              <a:rPr lang="en-US" smtClean="0"/>
+              <a:rPr lang="en-US"/>
               <a:t>Click to edit Master text styles</a:t>
             </a:r>
           </a:p>
           <a:p>
             <a:pPr lvl="1"/>
             <a:r>
-              <a:rPr lang="en-US" smtClean="0"/>
+              <a:rPr lang="en-US"/>
               <a:t>Second level</a:t>
             </a:r>
           </a:p>
           <a:p>
             <a:pPr lvl="2"/>
             <a:r>
-              <a:rPr lang="en-US" smtClean="0"/>
+              <a:rPr lang="en-US"/>
               <a:t>Third level</a:t>
             </a:r>
           </a:p>
           <a:p>
             <a:pPr lvl="3"/>
             <a:r>
-              <a:rPr lang="en-US" smtClean="0"/>
+              <a:rPr lang="en-US"/>
               <a:t>Fourth level</a:t>
             </a:r>
           </a:p>
           <a:p>
             <a:pPr lvl="4"/>
             <a:r>
-              <a:rPr lang="en-US" smtClean="0"/>
+              <a:rPr lang="en-US"/>
               <a:t>Fifth level</a:t>
             </a:r>
-            <a:endParaRPr lang="en-US"/>
           </a:p>
         </p:txBody>
       </p:sp>
@@ -6288,10 +6233,9 @@
           </a:lstStyle>
           <a:p>
             <a:r>
-              <a:rPr lang="en-US" smtClean="0"/>
+              <a:rPr lang="en-US"/>
               <a:t>Click to edit Master title style</a:t>
             </a:r>
-            <a:endParaRPr lang="en-US"/>
           </a:p>
         </p:txBody>
       </p:sp>
@@ -6357,7 +6301,7 @@
           <a:p>
             <a:pPr lvl="0"/>
             <a:r>
-              <a:rPr lang="en-US" smtClean="0"/>
+              <a:rPr lang="en-US"/>
               <a:t>Click to edit Master text styles</a:t>
             </a:r>
           </a:p>
@@ -6416,38 +6360,37 @@
           <a:p>
             <a:pPr lvl="0"/>
             <a:r>
-              <a:rPr lang="en-US" smtClean="0"/>
+              <a:rPr lang="en-US"/>
               <a:t>Click to edit Master text styles</a:t>
             </a:r>
           </a:p>
           <a:p>
             <a:pPr lvl="1"/>
             <a:r>
-              <a:rPr lang="en-US" smtClean="0"/>
+              <a:rPr lang="en-US"/>
               <a:t>Second level</a:t>
             </a:r>
           </a:p>
           <a:p>
             <a:pPr lvl="2"/>
             <a:r>
-              <a:rPr lang="en-US" smtClean="0"/>
+              <a:rPr lang="en-US"/>
               <a:t>Third level</a:t>
             </a:r>
           </a:p>
           <a:p>
             <a:pPr lvl="3"/>
             <a:r>
-              <a:rPr lang="en-US" smtClean="0"/>
+              <a:rPr lang="en-US"/>
               <a:t>Fourth level</a:t>
             </a:r>
           </a:p>
           <a:p>
             <a:pPr lvl="4"/>
             <a:r>
-              <a:rPr lang="en-US" smtClean="0"/>
+              <a:rPr lang="en-US"/>
               <a:t>Fifth level</a:t>
             </a:r>
-            <a:endParaRPr lang="en-US"/>
           </a:p>
         </p:txBody>
       </p:sp>
@@ -6513,7 +6456,7 @@
           <a:p>
             <a:pPr lvl="0"/>
             <a:r>
-              <a:rPr lang="en-US" smtClean="0"/>
+              <a:rPr lang="en-US"/>
               <a:t>Click to edit Master text styles</a:t>
             </a:r>
           </a:p>
@@ -6572,38 +6515,37 @@
           <a:p>
             <a:pPr lvl="0"/>
             <a:r>
-              <a:rPr lang="en-US" smtClean="0"/>
+              <a:rPr lang="en-US"/>
               <a:t>Click to edit Master text styles</a:t>
             </a:r>
           </a:p>
           <a:p>
             <a:pPr lvl="1"/>
             <a:r>
-              <a:rPr lang="en-US" smtClean="0"/>
+              <a:rPr lang="en-US"/>
               <a:t>Second level</a:t>
             </a:r>
           </a:p>
           <a:p>
             <a:pPr lvl="2"/>
             <a:r>
-              <a:rPr lang="en-US" smtClean="0"/>
+              <a:rPr lang="en-US"/>
               <a:t>Third level</a:t>
             </a:r>
           </a:p>
           <a:p>
             <a:pPr lvl="3"/>
             <a:r>
-              <a:rPr lang="en-US" smtClean="0"/>
+              <a:rPr lang="en-US"/>
               <a:t>Fourth level</a:t>
             </a:r>
           </a:p>
           <a:p>
             <a:pPr lvl="4"/>
             <a:r>
-              <a:rPr lang="en-US" smtClean="0"/>
+              <a:rPr lang="en-US"/>
               <a:t>Fifth level</a:t>
             </a:r>
-            <a:endParaRPr lang="en-US"/>
           </a:p>
         </p:txBody>
       </p:sp>
@@ -6697,10 +6639,9 @@
           <a:lstStyle/>
           <a:p>
             <a:r>
-              <a:rPr lang="en-US" smtClean="0"/>
+              <a:rPr lang="en-US"/>
               <a:t>Click to edit Master title style</a:t>
             </a:r>
-            <a:endParaRPr lang="en-US"/>
           </a:p>
         </p:txBody>
       </p:sp>
@@ -6786,10 +6727,9 @@
           <a:lstStyle/>
           <a:p>
             <a:r>
-              <a:rPr lang="en-US" smtClean="0"/>
+              <a:rPr lang="en-US"/>
               <a:t>Click to edit Master title style</a:t>
             </a:r>
-            <a:endParaRPr lang="en-US"/>
           </a:p>
         </p:txBody>
       </p:sp>
@@ -6846,38 +6786,37 @@
           <a:p>
             <a:pPr lvl="0"/>
             <a:r>
-              <a:rPr lang="en-US" smtClean="0"/>
+              <a:rPr lang="en-US"/>
               <a:t>Click to edit Master text styles</a:t>
             </a:r>
           </a:p>
           <a:p>
             <a:pPr lvl="1"/>
             <a:r>
-              <a:rPr lang="en-US" smtClean="0"/>
+              <a:rPr lang="en-US"/>
               <a:t>Second level</a:t>
             </a:r>
           </a:p>
           <a:p>
             <a:pPr lvl="2"/>
             <a:r>
-              <a:rPr lang="en-US" smtClean="0"/>
+              <a:rPr lang="en-US"/>
               <a:t>Third level</a:t>
             </a:r>
           </a:p>
           <a:p>
             <a:pPr lvl="3"/>
             <a:r>
-              <a:rPr lang="en-US" smtClean="0"/>
+              <a:rPr lang="en-US"/>
               <a:t>Fourth level</a:t>
             </a:r>
           </a:p>
           <a:p>
             <a:pPr lvl="4"/>
             <a:r>
-              <a:rPr lang="en-US" smtClean="0"/>
+              <a:rPr lang="en-US"/>
               <a:t>Fifth level</a:t>
             </a:r>
-            <a:endParaRPr lang="en-US"/>
           </a:p>
         </p:txBody>
       </p:sp>
@@ -6934,38 +6873,37 @@
           <a:p>
             <a:pPr lvl="0"/>
             <a:r>
-              <a:rPr lang="en-US" smtClean="0"/>
+              <a:rPr lang="en-US"/>
               <a:t>Click to edit Master text styles</a:t>
             </a:r>
           </a:p>
           <a:p>
             <a:pPr lvl="1"/>
             <a:r>
-              <a:rPr lang="en-US" smtClean="0"/>
+              <a:rPr lang="en-US"/>
               <a:t>Second level</a:t>
             </a:r>
           </a:p>
           <a:p>
             <a:pPr lvl="2"/>
             <a:r>
-              <a:rPr lang="en-US" smtClean="0"/>
+              <a:rPr lang="en-US"/>
               <a:t>Third level</a:t>
             </a:r>
           </a:p>
           <a:p>
             <a:pPr lvl="3"/>
             <a:r>
-              <a:rPr lang="en-US" smtClean="0"/>
+              <a:rPr lang="en-US"/>
               <a:t>Fourth level</a:t>
             </a:r>
           </a:p>
           <a:p>
             <a:pPr lvl="4"/>
             <a:r>
-              <a:rPr lang="en-US" smtClean="0"/>
+              <a:rPr lang="en-US"/>
               <a:t>Fifth level</a:t>
             </a:r>
-            <a:endParaRPr lang="en-US"/>
           </a:p>
         </p:txBody>
       </p:sp>
@@ -7094,10 +7032,9 @@
           </a:lstStyle>
           <a:p>
             <a:r>
-              <a:rPr lang="en-US" smtClean="0"/>
+              <a:rPr lang="en-US"/>
               <a:t>Click to edit Master title style</a:t>
             </a:r>
-            <a:endParaRPr lang="en-US"/>
           </a:p>
         </p:txBody>
       </p:sp>
@@ -7154,38 +7091,37 @@
           <a:p>
             <a:pPr lvl="0"/>
             <a:r>
-              <a:rPr lang="en-US" smtClean="0"/>
+              <a:rPr lang="en-US"/>
               <a:t>Click to edit Master text styles</a:t>
             </a:r>
           </a:p>
           <a:p>
             <a:pPr lvl="1"/>
             <a:r>
-              <a:rPr lang="en-US" smtClean="0"/>
+              <a:rPr lang="en-US"/>
               <a:t>Second level</a:t>
             </a:r>
           </a:p>
           <a:p>
             <a:pPr lvl="2"/>
             <a:r>
-              <a:rPr lang="en-US" smtClean="0"/>
+              <a:rPr lang="en-US"/>
               <a:t>Third level</a:t>
             </a:r>
           </a:p>
           <a:p>
             <a:pPr lvl="3"/>
             <a:r>
-              <a:rPr lang="en-US" smtClean="0"/>
+              <a:rPr lang="en-US"/>
               <a:t>Fourth level</a:t>
             </a:r>
           </a:p>
           <a:p>
             <a:pPr lvl="4"/>
             <a:r>
-              <a:rPr lang="en-US" smtClean="0"/>
+              <a:rPr lang="en-US"/>
               <a:t>Fifth level</a:t>
             </a:r>
-            <a:endParaRPr lang="en-US"/>
           </a:p>
         </p:txBody>
       </p:sp>
@@ -7251,7 +7187,7 @@
           <a:p>
             <a:pPr lvl="0"/>
             <a:r>
-              <a:rPr lang="en-US" smtClean="0"/>
+              <a:rPr lang="en-US"/>
               <a:t>Click to edit Master text styles</a:t>
             </a:r>
           </a:p>
@@ -7351,10 +7287,9 @@
           </a:lstStyle>
           <a:p>
             <a:r>
-              <a:rPr lang="en-US" smtClean="0"/>
+              <a:rPr lang="en-US"/>
               <a:t>Click to edit Master title style</a:t>
             </a:r>
-            <a:endParaRPr lang="en-US"/>
           </a:p>
         </p:txBody>
       </p:sp>
@@ -7419,7 +7354,7 @@
           </a:lstStyle>
           <a:p>
             <a:pPr lvl="0"/>
-            <a:endParaRPr lang="en-US" noProof="0" smtClean="0">
+            <a:endParaRPr lang="en-US" noProof="0">
               <a:sym typeface="Gill Sans" charset="0"/>
             </a:endParaRPr>
           </a:p>
@@ -7487,7 +7422,7 @@
           <a:p>
             <a:pPr lvl="0"/>
             <a:r>
-              <a:rPr lang="en-US" smtClean="0"/>
+              <a:rPr lang="en-US"/>
               <a:t>Click to edit Master text styles</a:t>
             </a:r>
           </a:p>
@@ -7583,10 +7518,9 @@
           <a:lstStyle/>
           <a:p>
             <a:r>
-              <a:rPr lang="en-US" smtClean="0"/>
+              <a:rPr lang="en-US"/>
               <a:t>Click to edit Master title style</a:t>
             </a:r>
-            <a:endParaRPr lang="en-US"/>
           </a:p>
         </p:txBody>
       </p:sp>
@@ -7615,38 +7549,37 @@
           <a:p>
             <a:pPr lvl="0"/>
             <a:r>
-              <a:rPr lang="en-US" smtClean="0"/>
+              <a:rPr lang="en-US"/>
               <a:t>Click to edit Master text styles</a:t>
             </a:r>
           </a:p>
           <a:p>
             <a:pPr lvl="1"/>
             <a:r>
-              <a:rPr lang="en-US" smtClean="0"/>
+              <a:rPr lang="en-US"/>
               <a:t>Second level</a:t>
             </a:r>
           </a:p>
           <a:p>
             <a:pPr lvl="2"/>
             <a:r>
-              <a:rPr lang="en-US" smtClean="0"/>
+              <a:rPr lang="en-US"/>
               <a:t>Third level</a:t>
             </a:r>
           </a:p>
           <a:p>
             <a:pPr lvl="3"/>
             <a:r>
-              <a:rPr lang="en-US" smtClean="0"/>
+              <a:rPr lang="en-US"/>
               <a:t>Fourth level</a:t>
             </a:r>
           </a:p>
           <a:p>
             <a:pPr lvl="4"/>
             <a:r>
-              <a:rPr lang="en-US" smtClean="0"/>
+              <a:rPr lang="en-US"/>
               <a:t>Fifth level</a:t>
             </a:r>
-            <a:endParaRPr lang="en-US"/>
           </a:p>
         </p:txBody>
       </p:sp>
@@ -7740,10 +7673,9 @@
           <a:lstStyle/>
           <a:p>
             <a:r>
-              <a:rPr lang="en-US" smtClean="0"/>
+              <a:rPr lang="en-US"/>
               <a:t>Click to edit Master title style</a:t>
             </a:r>
-            <a:endParaRPr lang="en-US"/>
           </a:p>
         </p:txBody>
       </p:sp>
@@ -7772,38 +7704,37 @@
           <a:p>
             <a:pPr lvl="0"/>
             <a:r>
-              <a:rPr lang="en-US" smtClean="0"/>
+              <a:rPr lang="en-US"/>
               <a:t>Click to edit Master text styles</a:t>
             </a:r>
           </a:p>
           <a:p>
             <a:pPr lvl="1"/>
             <a:r>
-              <a:rPr lang="en-US" smtClean="0"/>
+              <a:rPr lang="en-US"/>
               <a:t>Second level</a:t>
             </a:r>
           </a:p>
           <a:p>
             <a:pPr lvl="2"/>
             <a:r>
-              <a:rPr lang="en-US" smtClean="0"/>
+              <a:rPr lang="en-US"/>
               <a:t>Third level</a:t>
             </a:r>
           </a:p>
           <a:p>
             <a:pPr lvl="3"/>
             <a:r>
-              <a:rPr lang="en-US" smtClean="0"/>
+              <a:rPr lang="en-US"/>
               <a:t>Fourth level</a:t>
             </a:r>
           </a:p>
           <a:p>
             <a:pPr lvl="4"/>
             <a:r>
-              <a:rPr lang="en-US" smtClean="0"/>
+              <a:rPr lang="en-US"/>
               <a:t>Fifth level</a:t>
             </a:r>
-            <a:endParaRPr lang="en-US"/>
           </a:p>
         </p:txBody>
       </p:sp>
@@ -7894,10 +7825,9 @@
           <a:lstStyle/>
           <a:p>
             <a:r>
-              <a:rPr lang="en-US" smtClean="0"/>
+              <a:rPr lang="en-US"/>
               <a:t>Click to edit Master title style</a:t>
             </a:r>
-            <a:endParaRPr lang="en-US"/>
           </a:p>
         </p:txBody>
       </p:sp>
@@ -7962,10 +7892,9 @@
           </a:lstStyle>
           <a:p>
             <a:r>
-              <a:rPr lang="en-US" smtClean="0"/>
+              <a:rPr lang="en-US"/>
               <a:t>Click to edit Master subtitle style</a:t>
             </a:r>
-            <a:endParaRPr lang="en-US"/>
           </a:p>
         </p:txBody>
       </p:sp>
@@ -8051,10 +7980,9 @@
           <a:lstStyle/>
           <a:p>
             <a:r>
-              <a:rPr lang="en-US" smtClean="0"/>
+              <a:rPr lang="en-US"/>
               <a:t>Click to edit Master title style</a:t>
             </a:r>
-            <a:endParaRPr lang="en-US"/>
           </a:p>
         </p:txBody>
       </p:sp>
@@ -8083,38 +8011,37 @@
           <a:p>
             <a:pPr lvl="0"/>
             <a:r>
-              <a:rPr lang="en-US" smtClean="0"/>
+              <a:rPr lang="en-US"/>
               <a:t>Click to edit Master text styles</a:t>
             </a:r>
           </a:p>
           <a:p>
             <a:pPr lvl="1"/>
             <a:r>
-              <a:rPr lang="en-US" smtClean="0"/>
+              <a:rPr lang="en-US"/>
               <a:t>Second level</a:t>
             </a:r>
           </a:p>
           <a:p>
             <a:pPr lvl="2"/>
             <a:r>
-              <a:rPr lang="en-US" smtClean="0"/>
+              <a:rPr lang="en-US"/>
               <a:t>Third level</a:t>
             </a:r>
           </a:p>
           <a:p>
             <a:pPr lvl="3"/>
             <a:r>
-              <a:rPr lang="en-US" smtClean="0"/>
+              <a:rPr lang="en-US"/>
               <a:t>Fourth level</a:t>
             </a:r>
           </a:p>
           <a:p>
             <a:pPr lvl="4"/>
             <a:r>
-              <a:rPr lang="en-US" smtClean="0"/>
+              <a:rPr lang="en-US"/>
               <a:t>Fifth level</a:t>
             </a:r>
-            <a:endParaRPr lang="en-US"/>
           </a:p>
         </p:txBody>
       </p:sp>
@@ -8209,10 +8136,9 @@
           </a:lstStyle>
           <a:p>
             <a:r>
-              <a:rPr lang="en-US" smtClean="0"/>
+              <a:rPr lang="en-US"/>
               <a:t>Click to edit Master title style</a:t>
             </a:r>
-            <a:endParaRPr lang="en-US"/>
           </a:p>
         </p:txBody>
       </p:sp>
@@ -8278,7 +8204,7 @@
           <a:p>
             <a:pPr lvl="0"/>
             <a:r>
-              <a:rPr lang="en-US" smtClean="0"/>
+              <a:rPr lang="en-US"/>
               <a:t>Click to edit Master text styles</a:t>
             </a:r>
           </a:p>
@@ -8366,10 +8292,9 @@
           <a:lstStyle/>
           <a:p>
             <a:r>
-              <a:rPr lang="en-US" smtClean="0"/>
+              <a:rPr lang="en-US"/>
               <a:t>Click to edit Master title style</a:t>
             </a:r>
-            <a:endParaRPr lang="en-US"/>
           </a:p>
         </p:txBody>
       </p:sp>
@@ -8426,38 +8351,37 @@
           <a:p>
             <a:pPr lvl="0"/>
             <a:r>
-              <a:rPr lang="en-US" smtClean="0"/>
+              <a:rPr lang="en-US"/>
               <a:t>Click to edit Master text styles</a:t>
             </a:r>
           </a:p>
           <a:p>
             <a:pPr lvl="1"/>
             <a:r>
-              <a:rPr lang="en-US" smtClean="0"/>
+              <a:rPr lang="en-US"/>
               <a:t>Second level</a:t>
             </a:r>
           </a:p>
           <a:p>
             <a:pPr lvl="2"/>
             <a:r>
-              <a:rPr lang="en-US" smtClean="0"/>
+              <a:rPr lang="en-US"/>
               <a:t>Third level</a:t>
             </a:r>
           </a:p>
           <a:p>
             <a:pPr lvl="3"/>
             <a:r>
-              <a:rPr lang="en-US" smtClean="0"/>
+              <a:rPr lang="en-US"/>
               <a:t>Fourth level</a:t>
             </a:r>
           </a:p>
           <a:p>
             <a:pPr lvl="4"/>
             <a:r>
-              <a:rPr lang="en-US" smtClean="0"/>
+              <a:rPr lang="en-US"/>
               <a:t>Fifth level</a:t>
             </a:r>
-            <a:endParaRPr lang="en-US"/>
           </a:p>
         </p:txBody>
       </p:sp>
@@ -8514,38 +8438,37 @@
           <a:p>
             <a:pPr lvl="0"/>
             <a:r>
-              <a:rPr lang="en-US" smtClean="0"/>
+              <a:rPr lang="en-US"/>
               <a:t>Click to edit Master text styles</a:t>
             </a:r>
           </a:p>
           <a:p>
             <a:pPr lvl="1"/>
             <a:r>
-              <a:rPr lang="en-US" smtClean="0"/>
+              <a:rPr lang="en-US"/>
               <a:t>Second level</a:t>
             </a:r>
           </a:p>
           <a:p>
             <a:pPr lvl="2"/>
             <a:r>
-              <a:rPr lang="en-US" smtClean="0"/>
+              <a:rPr lang="en-US"/>
               <a:t>Third level</a:t>
             </a:r>
           </a:p>
           <a:p>
             <a:pPr lvl="3"/>
             <a:r>
-              <a:rPr lang="en-US" smtClean="0"/>
+              <a:rPr lang="en-US"/>
               <a:t>Fourth level</a:t>
             </a:r>
           </a:p>
           <a:p>
             <a:pPr lvl="4"/>
             <a:r>
-              <a:rPr lang="en-US" smtClean="0"/>
+              <a:rPr lang="en-US"/>
               <a:t>Fifth level</a:t>
             </a:r>
-            <a:endParaRPr lang="en-US"/>
           </a:p>
         </p:txBody>
       </p:sp>
@@ -8640,10 +8563,9 @@
           </a:lstStyle>
           <a:p>
             <a:r>
-              <a:rPr lang="en-US" smtClean="0"/>
+              <a:rPr lang="en-US"/>
               <a:t>Click to edit Master title style</a:t>
             </a:r>
-            <a:endParaRPr lang="en-US"/>
           </a:p>
         </p:txBody>
       </p:sp>
@@ -8709,7 +8631,7 @@
           <a:p>
             <a:pPr lvl="0"/>
             <a:r>
-              <a:rPr lang="en-US" smtClean="0"/>
+              <a:rPr lang="en-US"/>
               <a:t>Click to edit Master text styles</a:t>
             </a:r>
           </a:p>
@@ -8768,38 +8690,37 @@
           <a:p>
             <a:pPr lvl="0"/>
             <a:r>
-              <a:rPr lang="en-US" smtClean="0"/>
+              <a:rPr lang="en-US"/>
               <a:t>Click to edit Master text styles</a:t>
             </a:r>
           </a:p>
           <a:p>
             <a:pPr lvl="1"/>
             <a:r>
-              <a:rPr lang="en-US" smtClean="0"/>
+              <a:rPr lang="en-US"/>
               <a:t>Second level</a:t>
             </a:r>
           </a:p>
           <a:p>
             <a:pPr lvl="2"/>
             <a:r>
-              <a:rPr lang="en-US" smtClean="0"/>
+              <a:rPr lang="en-US"/>
               <a:t>Third level</a:t>
             </a:r>
           </a:p>
           <a:p>
             <a:pPr lvl="3"/>
             <a:r>
-              <a:rPr lang="en-US" smtClean="0"/>
+              <a:rPr lang="en-US"/>
               <a:t>Fourth level</a:t>
             </a:r>
           </a:p>
           <a:p>
             <a:pPr lvl="4"/>
             <a:r>
-              <a:rPr lang="en-US" smtClean="0"/>
+              <a:rPr lang="en-US"/>
               <a:t>Fifth level</a:t>
             </a:r>
-            <a:endParaRPr lang="en-US"/>
           </a:p>
         </p:txBody>
       </p:sp>
@@ -8865,7 +8786,7 @@
           <a:p>
             <a:pPr lvl="0"/>
             <a:r>
-              <a:rPr lang="en-US" smtClean="0"/>
+              <a:rPr lang="en-US"/>
               <a:t>Click to edit Master text styles</a:t>
             </a:r>
           </a:p>
@@ -8924,38 +8845,37 @@
           <a:p>
             <a:pPr lvl="0"/>
             <a:r>
-              <a:rPr lang="en-US" smtClean="0"/>
+              <a:rPr lang="en-US"/>
               <a:t>Click to edit Master text styles</a:t>
             </a:r>
           </a:p>
           <a:p>
             <a:pPr lvl="1"/>
             <a:r>
-              <a:rPr lang="en-US" smtClean="0"/>
+              <a:rPr lang="en-US"/>
               <a:t>Second level</a:t>
             </a:r>
           </a:p>
           <a:p>
             <a:pPr lvl="2"/>
             <a:r>
-              <a:rPr lang="en-US" smtClean="0"/>
+              <a:rPr lang="en-US"/>
               <a:t>Third level</a:t>
             </a:r>
           </a:p>
           <a:p>
             <a:pPr lvl="3"/>
             <a:r>
-              <a:rPr lang="en-US" smtClean="0"/>
+              <a:rPr lang="en-US"/>
               <a:t>Fourth level</a:t>
             </a:r>
           </a:p>
           <a:p>
             <a:pPr lvl="4"/>
             <a:r>
-              <a:rPr lang="en-US" smtClean="0"/>
+              <a:rPr lang="en-US"/>
               <a:t>Fifth level</a:t>
             </a:r>
-            <a:endParaRPr lang="en-US"/>
           </a:p>
         </p:txBody>
       </p:sp>
@@ -9050,10 +8970,9 @@
           </a:lstStyle>
           <a:p>
             <a:r>
-              <a:rPr lang="en-US" smtClean="0"/>
+              <a:rPr lang="en-US"/>
               <a:t>Click to edit Master title style</a:t>
             </a:r>
-            <a:endParaRPr lang="en-US"/>
           </a:p>
         </p:txBody>
       </p:sp>
@@ -9119,7 +9038,7 @@
           <a:p>
             <a:pPr lvl="0"/>
             <a:r>
-              <a:rPr lang="en-US" smtClean="0"/>
+              <a:rPr lang="en-US"/>
               <a:t>Click to edit Master text styles</a:t>
             </a:r>
           </a:p>
@@ -9178,38 +9097,37 @@
           <a:p>
             <a:pPr lvl="0"/>
             <a:r>
-              <a:rPr lang="en-US" smtClean="0"/>
+              <a:rPr lang="en-US"/>
               <a:t>Click to edit Master text styles</a:t>
             </a:r>
           </a:p>
           <a:p>
             <a:pPr lvl="1"/>
             <a:r>
-              <a:rPr lang="en-US" smtClean="0"/>
+              <a:rPr lang="en-US"/>
               <a:t>Second level</a:t>
             </a:r>
           </a:p>
           <a:p>
             <a:pPr lvl="2"/>
             <a:r>
-              <a:rPr lang="en-US" smtClean="0"/>
+              <a:rPr lang="en-US"/>
               <a:t>Third level</a:t>
             </a:r>
           </a:p>
           <a:p>
             <a:pPr lvl="3"/>
             <a:r>
-              <a:rPr lang="en-US" smtClean="0"/>
+              <a:rPr lang="en-US"/>
               <a:t>Fourth level</a:t>
             </a:r>
           </a:p>
           <a:p>
             <a:pPr lvl="4"/>
             <a:r>
-              <a:rPr lang="en-US" smtClean="0"/>
+              <a:rPr lang="en-US"/>
               <a:t>Fifth level</a:t>
             </a:r>
-            <a:endParaRPr lang="en-US"/>
           </a:p>
         </p:txBody>
       </p:sp>
@@ -9275,7 +9193,7 @@
           <a:p>
             <a:pPr lvl="0"/>
             <a:r>
-              <a:rPr lang="en-US" smtClean="0"/>
+              <a:rPr lang="en-US"/>
               <a:t>Click to edit Master text styles</a:t>
             </a:r>
           </a:p>
@@ -9334,38 +9252,37 @@
           <a:p>
             <a:pPr lvl="0"/>
             <a:r>
-              <a:rPr lang="en-US" smtClean="0"/>
+              <a:rPr lang="en-US"/>
               <a:t>Click to edit Master text styles</a:t>
             </a:r>
           </a:p>
           <a:p>
             <a:pPr lvl="1"/>
             <a:r>
-              <a:rPr lang="en-US" smtClean="0"/>
+              <a:rPr lang="en-US"/>
               <a:t>Second level</a:t>
             </a:r>
           </a:p>
           <a:p>
             <a:pPr lvl="2"/>
             <a:r>
-              <a:rPr lang="en-US" smtClean="0"/>
+              <a:rPr lang="en-US"/>
               <a:t>Third level</a:t>
             </a:r>
           </a:p>
           <a:p>
             <a:pPr lvl="3"/>
             <a:r>
-              <a:rPr lang="en-US" smtClean="0"/>
+              <a:rPr lang="en-US"/>
               <a:t>Fourth level</a:t>
             </a:r>
           </a:p>
           <a:p>
             <a:pPr lvl="4"/>
             <a:r>
-              <a:rPr lang="en-US" smtClean="0"/>
+              <a:rPr lang="en-US"/>
               <a:t>Fifth level</a:t>
             </a:r>
-            <a:endParaRPr lang="en-US"/>
           </a:p>
         </p:txBody>
       </p:sp>
@@ -9416,10 +9333,9 @@
           <a:lstStyle/>
           <a:p>
             <a:r>
-              <a:rPr lang="en-US" smtClean="0"/>
+              <a:rPr lang="en-US"/>
               <a:t>Click to edit Master title style</a:t>
             </a:r>
-            <a:endParaRPr lang="en-US"/>
           </a:p>
         </p:txBody>
       </p:sp>
@@ -9580,10 +9496,9 @@
           </a:lstStyle>
           <a:p>
             <a:r>
-              <a:rPr lang="en-US" smtClean="0"/>
+              <a:rPr lang="en-US"/>
               <a:t>Click to edit Master title style</a:t>
             </a:r>
-            <a:endParaRPr lang="en-US"/>
           </a:p>
         </p:txBody>
       </p:sp>
@@ -9640,38 +9555,37 @@
           <a:p>
             <a:pPr lvl="0"/>
             <a:r>
-              <a:rPr lang="en-US" smtClean="0"/>
+              <a:rPr lang="en-US"/>
               <a:t>Click to edit Master text styles</a:t>
             </a:r>
           </a:p>
           <a:p>
             <a:pPr lvl="1"/>
             <a:r>
-              <a:rPr lang="en-US" smtClean="0"/>
+              <a:rPr lang="en-US"/>
               <a:t>Second level</a:t>
             </a:r>
           </a:p>
           <a:p>
             <a:pPr lvl="2"/>
             <a:r>
-              <a:rPr lang="en-US" smtClean="0"/>
+              <a:rPr lang="en-US"/>
               <a:t>Third level</a:t>
             </a:r>
           </a:p>
           <a:p>
             <a:pPr lvl="3"/>
             <a:r>
-              <a:rPr lang="en-US" smtClean="0"/>
+              <a:rPr lang="en-US"/>
               <a:t>Fourth level</a:t>
             </a:r>
           </a:p>
           <a:p>
             <a:pPr lvl="4"/>
             <a:r>
-              <a:rPr lang="en-US" smtClean="0"/>
+              <a:rPr lang="en-US"/>
               <a:t>Fifth level</a:t>
             </a:r>
-            <a:endParaRPr lang="en-US"/>
           </a:p>
         </p:txBody>
       </p:sp>
@@ -9737,7 +9651,7 @@
           <a:p>
             <a:pPr lvl="0"/>
             <a:r>
-              <a:rPr lang="en-US" smtClean="0"/>
+              <a:rPr lang="en-US"/>
               <a:t>Click to edit Master text styles</a:t>
             </a:r>
           </a:p>
@@ -9834,10 +9748,9 @@
           </a:lstStyle>
           <a:p>
             <a:r>
-              <a:rPr lang="en-US" smtClean="0"/>
+              <a:rPr lang="en-US"/>
               <a:t>Click to edit Master title style</a:t>
             </a:r>
-            <a:endParaRPr lang="en-US"/>
           </a:p>
         </p:txBody>
       </p:sp>
@@ -9902,7 +9815,7 @@
           </a:lstStyle>
           <a:p>
             <a:pPr lvl="0"/>
-            <a:endParaRPr lang="en-US" noProof="0" smtClean="0">
+            <a:endParaRPr lang="en-US" noProof="0">
               <a:sym typeface="Gill Sans" charset="0"/>
             </a:endParaRPr>
           </a:p>
@@ -9970,7 +9883,7 @@
           <a:p>
             <a:pPr lvl="0"/>
             <a:r>
-              <a:rPr lang="en-US" smtClean="0"/>
+              <a:rPr lang="en-US"/>
               <a:t>Click to edit Master text styles</a:t>
             </a:r>
           </a:p>
@@ -10058,10 +9971,9 @@
           <a:lstStyle/>
           <a:p>
             <a:r>
-              <a:rPr lang="en-US" smtClean="0"/>
+              <a:rPr lang="en-US"/>
               <a:t>Click to edit Master title style</a:t>
             </a:r>
-            <a:endParaRPr lang="en-US"/>
           </a:p>
         </p:txBody>
       </p:sp>
@@ -10090,38 +10002,37 @@
           <a:p>
             <a:pPr lvl="0"/>
             <a:r>
-              <a:rPr lang="en-US" smtClean="0"/>
+              <a:rPr lang="en-US"/>
               <a:t>Click to edit Master text styles</a:t>
             </a:r>
           </a:p>
           <a:p>
             <a:pPr lvl="1"/>
             <a:r>
-              <a:rPr lang="en-US" smtClean="0"/>
+              <a:rPr lang="en-US"/>
               <a:t>Second level</a:t>
             </a:r>
           </a:p>
           <a:p>
             <a:pPr lvl="2"/>
             <a:r>
-              <a:rPr lang="en-US" smtClean="0"/>
+              <a:rPr lang="en-US"/>
               <a:t>Third level</a:t>
             </a:r>
           </a:p>
           <a:p>
             <a:pPr lvl="3"/>
             <a:r>
-              <a:rPr lang="en-US" smtClean="0"/>
+              <a:rPr lang="en-US"/>
               <a:t>Fourth level</a:t>
             </a:r>
           </a:p>
           <a:p>
             <a:pPr lvl="4"/>
             <a:r>
-              <a:rPr lang="en-US" smtClean="0"/>
+              <a:rPr lang="en-US"/>
               <a:t>Fifth level</a:t>
             </a:r>
-            <a:endParaRPr lang="en-US"/>
           </a:p>
         </p:txBody>
       </p:sp>
@@ -10212,10 +10123,9 @@
           <a:lstStyle/>
           <a:p>
             <a:r>
-              <a:rPr lang="en-US" smtClean="0"/>
+              <a:rPr lang="en-US"/>
               <a:t>Click to edit Master title style</a:t>
             </a:r>
-            <a:endParaRPr lang="en-US"/>
           </a:p>
         </p:txBody>
       </p:sp>
@@ -10244,38 +10154,37 @@
           <a:p>
             <a:pPr lvl="0"/>
             <a:r>
-              <a:rPr lang="en-US" smtClean="0"/>
+              <a:rPr lang="en-US"/>
               <a:t>Click to edit Master text styles</a:t>
             </a:r>
           </a:p>
           <a:p>
             <a:pPr lvl="1"/>
             <a:r>
-              <a:rPr lang="en-US" smtClean="0"/>
+              <a:rPr lang="en-US"/>
               <a:t>Second level</a:t>
             </a:r>
           </a:p>
           <a:p>
             <a:pPr lvl="2"/>
             <a:r>
-              <a:rPr lang="en-US" smtClean="0"/>
+              <a:rPr lang="en-US"/>
               <a:t>Third level</a:t>
             </a:r>
           </a:p>
           <a:p>
             <a:pPr lvl="3"/>
             <a:r>
-              <a:rPr lang="en-US" smtClean="0"/>
+              <a:rPr lang="en-US"/>
               <a:t>Fourth level</a:t>
             </a:r>
           </a:p>
           <a:p>
             <a:pPr lvl="4"/>
             <a:r>
-              <a:rPr lang="en-US" smtClean="0"/>
+              <a:rPr lang="en-US"/>
               <a:t>Fifth level</a:t>
             </a:r>
-            <a:endParaRPr lang="en-US"/>
           </a:p>
         </p:txBody>
       </p:sp>
@@ -10361,10 +10270,9 @@
           <a:lstStyle/>
           <a:p>
             <a:r>
-              <a:rPr lang="en-US" smtClean="0"/>
+              <a:rPr lang="en-US"/>
               <a:t>Click to edit Master title style</a:t>
             </a:r>
-            <a:endParaRPr lang="en-US"/>
           </a:p>
         </p:txBody>
       </p:sp>
@@ -10455,10 +10363,9 @@
           </a:lstStyle>
           <a:p>
             <a:r>
-              <a:rPr lang="en-US" smtClean="0"/>
+              <a:rPr lang="en-US"/>
               <a:t>Click to edit Master title style</a:t>
             </a:r>
-            <a:endParaRPr lang="en-US"/>
           </a:p>
         </p:txBody>
       </p:sp>
@@ -10515,38 +10422,37 @@
           <a:p>
             <a:pPr lvl="0"/>
             <a:r>
-              <a:rPr lang="en-US" smtClean="0"/>
+              <a:rPr lang="en-US"/>
               <a:t>Click to edit Master text styles</a:t>
             </a:r>
           </a:p>
           <a:p>
             <a:pPr lvl="1"/>
             <a:r>
-              <a:rPr lang="en-US" smtClean="0"/>
+              <a:rPr lang="en-US"/>
               <a:t>Second level</a:t>
             </a:r>
           </a:p>
           <a:p>
             <a:pPr lvl="2"/>
             <a:r>
-              <a:rPr lang="en-US" smtClean="0"/>
+              <a:rPr lang="en-US"/>
               <a:t>Third level</a:t>
             </a:r>
           </a:p>
           <a:p>
             <a:pPr lvl="3"/>
             <a:r>
-              <a:rPr lang="en-US" smtClean="0"/>
+              <a:rPr lang="en-US"/>
               <a:t>Fourth level</a:t>
             </a:r>
           </a:p>
           <a:p>
             <a:pPr lvl="4"/>
             <a:r>
-              <a:rPr lang="en-US" smtClean="0"/>
+              <a:rPr lang="en-US"/>
               <a:t>Fifth level</a:t>
             </a:r>
-            <a:endParaRPr lang="en-US"/>
           </a:p>
         </p:txBody>
       </p:sp>
@@ -10612,7 +10518,7 @@
           <a:p>
             <a:pPr lvl="0"/>
             <a:r>
-              <a:rPr lang="en-US" smtClean="0"/>
+              <a:rPr lang="en-US"/>
               <a:t>Click to edit Master text styles</a:t>
             </a:r>
           </a:p>
@@ -10674,10 +10580,9 @@
           </a:lstStyle>
           <a:p>
             <a:r>
-              <a:rPr lang="en-US" smtClean="0"/>
+              <a:rPr lang="en-US"/>
               <a:t>Click to edit Master title style</a:t>
             </a:r>
-            <a:endParaRPr lang="en-US"/>
           </a:p>
         </p:txBody>
       </p:sp>
@@ -10742,7 +10647,7 @@
           </a:lstStyle>
           <a:p>
             <a:pPr lvl="0"/>
-            <a:endParaRPr lang="en-US" noProof="0" smtClean="0">
+            <a:endParaRPr lang="en-US" noProof="0">
               <a:sym typeface="Trebuchet MS" charset="0"/>
             </a:endParaRPr>
           </a:p>
@@ -10810,7 +10715,7 @@
           <a:p>
             <a:pPr lvl="0"/>
             <a:r>
-              <a:rPr lang="en-US" smtClean="0"/>
+              <a:rPr lang="en-US"/>
               <a:t>Click to edit Master text styles</a:t>
             </a:r>
           </a:p>
@@ -10884,14 +10789,14 @@
           <a:effectLst/>
           <a:extLst>
             <a:ext uri="{909E8E84-426E-40dd-AFC4-6F175D3DCCD1}">
-              <a14:hiddenFill xmlns="" xmlns:a14="http://schemas.microsoft.com/office/drawing/2010/main">
+              <a14:hiddenFill xmlns:a14="http://schemas.microsoft.com/office/drawing/2010/main" xmlns="">
                 <a:solidFill>
                   <a:srgbClr val="FFFFFF"/>
                 </a:solidFill>
               </a14:hiddenFill>
             </a:ext>
             <a:ext uri="{91240B29-F687-4f45-9708-019B960494DF}">
-              <a14:hiddenLine xmlns="" xmlns:a14="http://schemas.microsoft.com/office/drawing/2010/main" w="12700">
+              <a14:hiddenLine xmlns:a14="http://schemas.microsoft.com/office/drawing/2010/main" xmlns="" w="12700">
                 <a:solidFill>
                   <a:srgbClr val="000000"/>
                 </a:solidFill>
@@ -10901,7 +10806,7 @@
               </a14:hiddenLine>
             </a:ext>
             <a:ext uri="{AF507438-7753-43e0-B8FC-AC1667EBCBE1}">
-              <a14:hiddenEffects xmlns="" xmlns:a14="http://schemas.microsoft.com/office/drawing/2010/main">
+              <a14:hiddenEffects xmlns:a14="http://schemas.microsoft.com/office/drawing/2010/main" xmlns="">
                 <a:effectLst>
                   <a:outerShdw blurRad="63500" dist="38099" dir="2700000" algn="ctr" rotWithShape="0">
                     <a:srgbClr val="000000">
@@ -10912,7 +10817,7 @@
               </a14:hiddenEffects>
             </a:ext>
             <a:ext uri="{FAA26D3D-D897-4be2-8F04-BA451C77F1D7}">
-              <ma14:placeholderFlag xmlns="" xmlns:ma14="http://schemas.microsoft.com/office/mac/drawingml/2011/main" val="1"/>
+              <ma14:placeholderFlag xmlns:ma14="http://schemas.microsoft.com/office/mac/drawingml/2011/main" xmlns="" val="1"/>
             </a:ext>
           </a:extLst>
         </p:spPr>
@@ -10969,14 +10874,14 @@
           </a:ln>
           <a:extLst>
             <a:ext uri="{909E8E84-426E-40dd-AFC4-6F175D3DCCD1}">
-              <a14:hiddenFill xmlns="" xmlns:a14="http://schemas.microsoft.com/office/drawing/2010/main">
+              <a14:hiddenFill xmlns:a14="http://schemas.microsoft.com/office/drawing/2010/main" xmlns="">
                 <a:solidFill>
                   <a:srgbClr val="FFFFFF"/>
                 </a:solidFill>
               </a14:hiddenFill>
             </a:ext>
             <a:ext uri="{91240B29-F687-4f45-9708-019B960494DF}">
-              <a14:hiddenLine xmlns="" xmlns:a14="http://schemas.microsoft.com/office/drawing/2010/main" w="9525">
+              <a14:hiddenLine xmlns:a14="http://schemas.microsoft.com/office/drawing/2010/main" xmlns="" w="9525">
                 <a:solidFill>
                   <a:srgbClr val="000000"/>
                 </a:solidFill>
@@ -11496,14 +11401,14 @@
           <a:effectLst/>
           <a:extLst>
             <a:ext uri="{909E8E84-426E-40dd-AFC4-6F175D3DCCD1}">
-              <a14:hiddenFill xmlns="" xmlns:a14="http://schemas.microsoft.com/office/drawing/2010/main">
+              <a14:hiddenFill xmlns:a14="http://schemas.microsoft.com/office/drawing/2010/main" xmlns="">
                 <a:solidFill>
                   <a:srgbClr val="FFFFFF"/>
                 </a:solidFill>
               </a14:hiddenFill>
             </a:ext>
             <a:ext uri="{91240B29-F687-4f45-9708-019B960494DF}">
-              <a14:hiddenLine xmlns="" xmlns:a14="http://schemas.microsoft.com/office/drawing/2010/main" w="12700">
+              <a14:hiddenLine xmlns:a14="http://schemas.microsoft.com/office/drawing/2010/main" xmlns="" w="12700">
                 <a:solidFill>
                   <a:srgbClr val="000000"/>
                 </a:solidFill>
@@ -11513,7 +11418,7 @@
               </a14:hiddenLine>
             </a:ext>
             <a:ext uri="{AF507438-7753-43e0-B8FC-AC1667EBCBE1}">
-              <a14:hiddenEffects xmlns="" xmlns:a14="http://schemas.microsoft.com/office/drawing/2010/main">
+              <a14:hiddenEffects xmlns:a14="http://schemas.microsoft.com/office/drawing/2010/main" xmlns="">
                 <a:effectLst>
                   <a:outerShdw blurRad="63500" dist="38099" dir="2700000" algn="ctr" rotWithShape="0">
                     <a:srgbClr val="000000">
@@ -11524,7 +11429,7 @@
               </a14:hiddenEffects>
             </a:ext>
             <a:ext uri="{FAA26D3D-D897-4be2-8F04-BA451C77F1D7}">
-              <ma14:placeholderFlag xmlns="" xmlns:ma14="http://schemas.microsoft.com/office/mac/drawingml/2011/main" val="1"/>
+              <ma14:placeholderFlag xmlns:ma14="http://schemas.microsoft.com/office/mac/drawingml/2011/main" xmlns="" val="1"/>
             </a:ext>
           </a:extLst>
         </p:spPr>
@@ -11581,14 +11486,14 @@
           </a:ln>
           <a:extLst>
             <a:ext uri="{909E8E84-426E-40dd-AFC4-6F175D3DCCD1}">
-              <a14:hiddenFill xmlns="" xmlns:a14="http://schemas.microsoft.com/office/drawing/2010/main">
+              <a14:hiddenFill xmlns:a14="http://schemas.microsoft.com/office/drawing/2010/main" xmlns="">
                 <a:solidFill>
                   <a:srgbClr val="FFFFFF"/>
                 </a:solidFill>
               </a14:hiddenFill>
             </a:ext>
             <a:ext uri="{91240B29-F687-4f45-9708-019B960494DF}">
-              <a14:hiddenLine xmlns="" xmlns:a14="http://schemas.microsoft.com/office/drawing/2010/main" w="9525">
+              <a14:hiddenLine xmlns:a14="http://schemas.microsoft.com/office/drawing/2010/main" xmlns="" w="9525">
                 <a:solidFill>
                   <a:srgbClr val="000000"/>
                 </a:solidFill>
@@ -11625,14 +11530,14 @@
           <a:effectLst/>
           <a:extLst>
             <a:ext uri="{909E8E84-426E-40dd-AFC4-6F175D3DCCD1}">
-              <a14:hiddenFill xmlns="" xmlns:a14="http://schemas.microsoft.com/office/drawing/2010/main">
+              <a14:hiddenFill xmlns:a14="http://schemas.microsoft.com/office/drawing/2010/main" xmlns="">
                 <a:solidFill>
                   <a:srgbClr val="FFFFFF"/>
                 </a:solidFill>
               </a14:hiddenFill>
             </a:ext>
             <a:ext uri="{91240B29-F687-4f45-9708-019B960494DF}">
-              <a14:hiddenLine xmlns="" xmlns:a14="http://schemas.microsoft.com/office/drawing/2010/main" w="12700">
+              <a14:hiddenLine xmlns:a14="http://schemas.microsoft.com/office/drawing/2010/main" xmlns="" w="12700">
                 <a:solidFill>
                   <a:srgbClr val="000000"/>
                 </a:solidFill>
@@ -11642,7 +11547,7 @@
               </a14:hiddenLine>
             </a:ext>
             <a:ext uri="{AF507438-7753-43e0-B8FC-AC1667EBCBE1}">
-              <a14:hiddenEffects xmlns="" xmlns:a14="http://schemas.microsoft.com/office/drawing/2010/main">
+              <a14:hiddenEffects xmlns:a14="http://schemas.microsoft.com/office/drawing/2010/main" xmlns="">
                 <a:effectLst>
                   <a:outerShdw blurRad="63500" dist="38099" dir="2700000" algn="ctr" rotWithShape="0">
                     <a:srgbClr val="000000">
@@ -12299,14 +12204,14 @@
           <a:effectLst/>
           <a:extLst>
             <a:ext uri="{909E8E84-426E-40dd-AFC4-6F175D3DCCD1}">
-              <a14:hiddenFill xmlns="" xmlns:a14="http://schemas.microsoft.com/office/drawing/2010/main">
+              <a14:hiddenFill xmlns:a14="http://schemas.microsoft.com/office/drawing/2010/main" xmlns="">
                 <a:solidFill>
                   <a:srgbClr val="FFFFFF"/>
                 </a:solidFill>
               </a14:hiddenFill>
             </a:ext>
             <a:ext uri="{91240B29-F687-4f45-9708-019B960494DF}">
-              <a14:hiddenLine xmlns="" xmlns:a14="http://schemas.microsoft.com/office/drawing/2010/main" w="12700">
+              <a14:hiddenLine xmlns:a14="http://schemas.microsoft.com/office/drawing/2010/main" xmlns="" w="12700">
                 <a:solidFill>
                   <a:srgbClr val="000000"/>
                 </a:solidFill>
@@ -12316,7 +12221,7 @@
               </a14:hiddenLine>
             </a:ext>
             <a:ext uri="{AF507438-7753-43e0-B8FC-AC1667EBCBE1}">
-              <a14:hiddenEffects xmlns="" xmlns:a14="http://schemas.microsoft.com/office/drawing/2010/main">
+              <a14:hiddenEffects xmlns:a14="http://schemas.microsoft.com/office/drawing/2010/main" xmlns="">
                 <a:effectLst>
                   <a:outerShdw blurRad="63500" dist="38099" dir="2700000" algn="ctr" rotWithShape="0">
                     <a:srgbClr val="000000">
@@ -12327,7 +12232,7 @@
               </a14:hiddenEffects>
             </a:ext>
             <a:ext uri="{FAA26D3D-D897-4be2-8F04-BA451C77F1D7}">
-              <ma14:placeholderFlag xmlns="" xmlns:ma14="http://schemas.microsoft.com/office/mac/drawingml/2011/main" val="1"/>
+              <ma14:placeholderFlag xmlns:ma14="http://schemas.microsoft.com/office/mac/drawingml/2011/main" xmlns="" val="1"/>
             </a:ext>
           </a:extLst>
         </p:spPr>
@@ -12420,14 +12325,14 @@
           </a:ln>
           <a:extLst>
             <a:ext uri="{909E8E84-426E-40dd-AFC4-6F175D3DCCD1}">
-              <a14:hiddenFill xmlns="" xmlns:a14="http://schemas.microsoft.com/office/drawing/2010/main">
+              <a14:hiddenFill xmlns:a14="http://schemas.microsoft.com/office/drawing/2010/main" xmlns="">
                 <a:solidFill>
                   <a:srgbClr val="FFFFFF"/>
                 </a:solidFill>
               </a14:hiddenFill>
             </a:ext>
             <a:ext uri="{91240B29-F687-4f45-9708-019B960494DF}">
-              <a14:hiddenLine xmlns="" xmlns:a14="http://schemas.microsoft.com/office/drawing/2010/main" w="9525">
+              <a14:hiddenLine xmlns:a14="http://schemas.microsoft.com/office/drawing/2010/main" xmlns="" w="9525">
                 <a:solidFill>
                   <a:srgbClr val="000000"/>
                 </a:solidFill>
@@ -12464,14 +12369,14 @@
           <a:effectLst/>
           <a:extLst>
             <a:ext uri="{909E8E84-426E-40dd-AFC4-6F175D3DCCD1}">
-              <a14:hiddenFill xmlns="" xmlns:a14="http://schemas.microsoft.com/office/drawing/2010/main">
+              <a14:hiddenFill xmlns:a14="http://schemas.microsoft.com/office/drawing/2010/main" xmlns="">
                 <a:solidFill>
                   <a:srgbClr val="FFFFFF"/>
                 </a:solidFill>
               </a14:hiddenFill>
             </a:ext>
             <a:ext uri="{91240B29-F687-4f45-9708-019B960494DF}">
-              <a14:hiddenLine xmlns="" xmlns:a14="http://schemas.microsoft.com/office/drawing/2010/main" w="12700">
+              <a14:hiddenLine xmlns:a14="http://schemas.microsoft.com/office/drawing/2010/main" xmlns="" w="12700">
                 <a:solidFill>
                   <a:srgbClr val="000000"/>
                 </a:solidFill>
@@ -12481,7 +12386,7 @@
               </a14:hiddenLine>
             </a:ext>
             <a:ext uri="{AF507438-7753-43e0-B8FC-AC1667EBCBE1}">
-              <a14:hiddenEffects xmlns="" xmlns:a14="http://schemas.microsoft.com/office/drawing/2010/main">
+              <a14:hiddenEffects xmlns:a14="http://schemas.microsoft.com/office/drawing/2010/main" xmlns="">
                 <a:effectLst>
                   <a:outerShdw blurRad="63500" dist="38099" dir="2700000" algn="ctr" rotWithShape="0">
                     <a:srgbClr val="000000">
@@ -13148,14 +13053,14 @@
           </a:ln>
           <a:extLst>
             <a:ext uri="{909E8E84-426E-40dd-AFC4-6F175D3DCCD1}">
-              <a14:hiddenFill xmlns="" xmlns:a14="http://schemas.microsoft.com/office/drawing/2010/main">
+              <a14:hiddenFill xmlns:a14="http://schemas.microsoft.com/office/drawing/2010/main" xmlns="">
                 <a:solidFill>
                   <a:srgbClr val="FFFFFF"/>
                 </a:solidFill>
               </a14:hiddenFill>
             </a:ext>
             <a:ext uri="{91240B29-F687-4f45-9708-019B960494DF}">
-              <a14:hiddenLine xmlns="" xmlns:a14="http://schemas.microsoft.com/office/drawing/2010/main" w="9525">
+              <a14:hiddenLine xmlns:a14="http://schemas.microsoft.com/office/drawing/2010/main" xmlns="" w="9525">
                 <a:solidFill>
                   <a:srgbClr val="000000"/>
                 </a:solidFill>
@@ -13192,14 +13097,14 @@
           <a:effectLst/>
           <a:extLst>
             <a:ext uri="{909E8E84-426E-40dd-AFC4-6F175D3DCCD1}">
-              <a14:hiddenFill xmlns="" xmlns:a14="http://schemas.microsoft.com/office/drawing/2010/main">
+              <a14:hiddenFill xmlns:a14="http://schemas.microsoft.com/office/drawing/2010/main" xmlns="">
                 <a:solidFill>
                   <a:srgbClr val="FFFFFF"/>
                 </a:solidFill>
               </a14:hiddenFill>
             </a:ext>
             <a:ext uri="{91240B29-F687-4f45-9708-019B960494DF}">
-              <a14:hiddenLine xmlns="" xmlns:a14="http://schemas.microsoft.com/office/drawing/2010/main" w="12700">
+              <a14:hiddenLine xmlns:a14="http://schemas.microsoft.com/office/drawing/2010/main" xmlns="" w="12700">
                 <a:solidFill>
                   <a:srgbClr val="000000"/>
                 </a:solidFill>
@@ -13209,7 +13114,7 @@
               </a14:hiddenLine>
             </a:ext>
             <a:ext uri="{AF507438-7753-43e0-B8FC-AC1667EBCBE1}">
-              <a14:hiddenEffects xmlns="" xmlns:a14="http://schemas.microsoft.com/office/drawing/2010/main">
+              <a14:hiddenEffects xmlns:a14="http://schemas.microsoft.com/office/drawing/2010/main" xmlns="">
                 <a:effectLst>
                   <a:outerShdw blurRad="63500" dist="38099" dir="2700000" algn="ctr" rotWithShape="0">
                     <a:srgbClr val="000000">
@@ -13866,14 +13771,14 @@
           <a:effectLst/>
           <a:extLst>
             <a:ext uri="{909E8E84-426E-40dd-AFC4-6F175D3DCCD1}">
-              <a14:hiddenFill xmlns="" xmlns:a14="http://schemas.microsoft.com/office/drawing/2010/main">
+              <a14:hiddenFill xmlns:a14="http://schemas.microsoft.com/office/drawing/2010/main" xmlns="">
                 <a:solidFill>
                   <a:srgbClr val="FFFFFF"/>
                 </a:solidFill>
               </a14:hiddenFill>
             </a:ext>
             <a:ext uri="{91240B29-F687-4f45-9708-019B960494DF}">
-              <a14:hiddenLine xmlns="" xmlns:a14="http://schemas.microsoft.com/office/drawing/2010/main" w="12700">
+              <a14:hiddenLine xmlns:a14="http://schemas.microsoft.com/office/drawing/2010/main" xmlns="" w="12700">
                 <a:solidFill>
                   <a:srgbClr val="000000"/>
                 </a:solidFill>
@@ -13883,7 +13788,7 @@
               </a14:hiddenLine>
             </a:ext>
             <a:ext uri="{AF507438-7753-43e0-B8FC-AC1667EBCBE1}">
-              <a14:hiddenEffects xmlns="" xmlns:a14="http://schemas.microsoft.com/office/drawing/2010/main">
+              <a14:hiddenEffects xmlns:a14="http://schemas.microsoft.com/office/drawing/2010/main" xmlns="">
                 <a:effectLst>
                   <a:outerShdw blurRad="63500" dist="38099" dir="2700000" algn="ctr" rotWithShape="0">
                     <a:srgbClr val="000000">
@@ -13894,7 +13799,7 @@
               </a14:hiddenEffects>
             </a:ext>
             <a:ext uri="{FAA26D3D-D897-4be2-8F04-BA451C77F1D7}">
-              <ma14:placeholderFlag xmlns="" xmlns:ma14="http://schemas.microsoft.com/office/mac/drawingml/2011/main" val="1"/>
+              <ma14:placeholderFlag xmlns:ma14="http://schemas.microsoft.com/office/mac/drawingml/2011/main" xmlns="" val="1"/>
             </a:ext>
           </a:extLst>
         </p:spPr>
@@ -13951,14 +13856,14 @@
           </a:ln>
           <a:extLst>
             <a:ext uri="{909E8E84-426E-40dd-AFC4-6F175D3DCCD1}">
-              <a14:hiddenFill xmlns="" xmlns:a14="http://schemas.microsoft.com/office/drawing/2010/main">
+              <a14:hiddenFill xmlns:a14="http://schemas.microsoft.com/office/drawing/2010/main" xmlns="">
                 <a:solidFill>
                   <a:srgbClr val="FFFFFF"/>
                 </a:solidFill>
               </a14:hiddenFill>
             </a:ext>
             <a:ext uri="{91240B29-F687-4f45-9708-019B960494DF}">
-              <a14:hiddenLine xmlns="" xmlns:a14="http://schemas.microsoft.com/office/drawing/2010/main" w="9525">
+              <a14:hiddenLine xmlns:a14="http://schemas.microsoft.com/office/drawing/2010/main" xmlns="" w="9525">
                 <a:solidFill>
                   <a:srgbClr val="000000"/>
                 </a:solidFill>
@@ -13995,14 +13900,14 @@
           <a:effectLst/>
           <a:extLst>
             <a:ext uri="{909E8E84-426E-40dd-AFC4-6F175D3DCCD1}">
-              <a14:hiddenFill xmlns="" xmlns:a14="http://schemas.microsoft.com/office/drawing/2010/main">
+              <a14:hiddenFill xmlns:a14="http://schemas.microsoft.com/office/drawing/2010/main" xmlns="">
                 <a:solidFill>
                   <a:srgbClr val="FFFFFF"/>
                 </a:solidFill>
               </a14:hiddenFill>
             </a:ext>
             <a:ext uri="{91240B29-F687-4f45-9708-019B960494DF}">
-              <a14:hiddenLine xmlns="" xmlns:a14="http://schemas.microsoft.com/office/drawing/2010/main" w="12700">
+              <a14:hiddenLine xmlns:a14="http://schemas.microsoft.com/office/drawing/2010/main" xmlns="" w="12700">
                 <a:solidFill>
                   <a:srgbClr val="000000"/>
                 </a:solidFill>
@@ -14012,7 +13917,7 @@
               </a14:hiddenLine>
             </a:ext>
             <a:ext uri="{AF507438-7753-43e0-B8FC-AC1667EBCBE1}">
-              <a14:hiddenEffects xmlns="" xmlns:a14="http://schemas.microsoft.com/office/drawing/2010/main">
+              <a14:hiddenEffects xmlns:a14="http://schemas.microsoft.com/office/drawing/2010/main" xmlns="">
                 <a:effectLst>
                   <a:outerShdw blurRad="63500" dist="38099" dir="2700000" algn="ctr" rotWithShape="0">
                     <a:srgbClr val="000000">
@@ -14667,14 +14572,14 @@
           </a:ln>
           <a:extLst>
             <a:ext uri="{909E8E84-426E-40dd-AFC4-6F175D3DCCD1}">
-              <a14:hiddenFill xmlns="" xmlns:a14="http://schemas.microsoft.com/office/drawing/2010/main">
+              <a14:hiddenFill xmlns:a14="http://schemas.microsoft.com/office/drawing/2010/main" xmlns="">
                 <a:solidFill>
                   <a:srgbClr val="FFFFFF"/>
                 </a:solidFill>
               </a14:hiddenFill>
             </a:ext>
             <a:ext uri="{91240B29-F687-4f45-9708-019B960494DF}">
-              <a14:hiddenLine xmlns="" xmlns:a14="http://schemas.microsoft.com/office/drawing/2010/main" w="9525">
+              <a14:hiddenLine xmlns:a14="http://schemas.microsoft.com/office/drawing/2010/main" xmlns="" w="9525">
                 <a:solidFill>
                   <a:srgbClr val="000000"/>
                 </a:solidFill>
@@ -14708,14 +14613,14 @@
           </a:ln>
           <a:extLst>
             <a:ext uri="{909E8E84-426E-40dd-AFC4-6F175D3DCCD1}">
-              <a14:hiddenFill xmlns="" xmlns:a14="http://schemas.microsoft.com/office/drawing/2010/main">
+              <a14:hiddenFill xmlns:a14="http://schemas.microsoft.com/office/drawing/2010/main" xmlns="">
                 <a:solidFill>
                   <a:srgbClr val="FFFFFF"/>
                 </a:solidFill>
               </a14:hiddenFill>
             </a:ext>
             <a:ext uri="{91240B29-F687-4f45-9708-019B960494DF}">
-              <a14:hiddenLine xmlns="" xmlns:a14="http://schemas.microsoft.com/office/drawing/2010/main" w="12700">
+              <a14:hiddenLine xmlns:a14="http://schemas.microsoft.com/office/drawing/2010/main" xmlns="" w="12700">
                 <a:solidFill>
                   <a:srgbClr val="000000"/>
                 </a:solidFill>
@@ -14732,7 +14637,7 @@
           <a:p>
             <a:pPr marL="57150" algn="ctr"/>
             <a:r>
-              <a:rPr lang="en-US" dirty="0" smtClean="0">
+              <a:rPr lang="en-US" dirty="0">
                 <a:solidFill>
                   <a:schemeClr val="tx1"/>
                 </a:solidFill>
@@ -14743,15 +14648,6 @@
               </a:rPr>
               <a:t>HAEJONG DONG</a:t>
             </a:r>
-            <a:endParaRPr lang="en-US" dirty="0">
-              <a:solidFill>
-                <a:schemeClr val="tx1"/>
-              </a:solidFill>
-              <a:latin typeface="Gill Sans" charset="0"/>
-              <a:ea typeface="ＭＳ Ｐゴシック" charset="0"/>
-              <a:cs typeface="ＭＳ Ｐゴシック" charset="0"/>
-              <a:sym typeface="Gill Sans" charset="0"/>
-            </a:endParaRPr>
           </a:p>
         </p:txBody>
       </p:sp>
@@ -14774,28 +14670,24 @@
               <a:defRPr/>
             </a:pPr>
             <a:r>
-              <a:rPr lang="en-US" sz="4800" dirty="0" smtClean="0"/>
+              <a:rPr lang="en-US" sz="4800" dirty="0"/>
               <a:t>521146S - Research Methods in </a:t>
-            </a:r>
-            <a:br>
-              <a:rPr lang="en-US" sz="4800" dirty="0" smtClean="0"/>
-            </a:br>
-            <a:r>
-              <a:rPr lang="en-US" sz="4800" dirty="0" smtClean="0"/>
-              <a:t>Computer Science</a:t>
-            </a:r>
-            <a:br>
-              <a:rPr lang="en-US" sz="4800" dirty="0" smtClean="0"/>
-            </a:br>
-            <a:r>
-              <a:rPr lang="en-US" sz="4800" dirty="0"/>
-              <a:t/>
             </a:r>
             <a:br>
               <a:rPr lang="en-US" sz="4800" dirty="0"/>
             </a:br>
             <a:r>
-              <a:rPr lang="en-US" dirty="0" smtClean="0"/>
+              <a:rPr lang="en-US" sz="4800" dirty="0"/>
+              <a:t>Computer Science</a:t>
+            </a:r>
+            <a:br>
+              <a:rPr lang="en-US" sz="4800" dirty="0"/>
+            </a:br>
+            <a:br>
+              <a:rPr lang="en-US" sz="4800" dirty="0"/>
+            </a:br>
+            <a:r>
+              <a:rPr lang="en-US" dirty="0"/>
               <a:t>Exercise 4: handout 4</a:t>
             </a:r>
           </a:p>
@@ -14812,13 +14704,6 @@
     <a:masterClrMapping/>
   </p:clrMapOvr>
   <p:transition/>
-  <p:timing>
-    <p:tnLst>
-      <p:par>
-        <p:cTn id="1" dur="indefinite" restart="never" nodeType="tmRoot"/>
-      </p:par>
-    </p:tnLst>
-  </p:timing>
 </p:sld>
 </file>
 
@@ -14855,10 +14740,9 @@
           <a:lstStyle/>
           <a:p>
             <a:r>
-              <a:rPr lang="en-US" dirty="0" smtClean="0"/>
+              <a:rPr lang="en-US" dirty="0"/>
               <a:t>Result</a:t>
             </a:r>
-            <a:endParaRPr lang="en-US" dirty="0"/>
           </a:p>
         </p:txBody>
       </p:sp>
@@ -14921,13 +14805,6 @@
     <a:masterClrMapping/>
   </p:clrMapOvr>
   <p:transition/>
-  <p:timing>
-    <p:tnLst>
-      <p:par>
-        <p:cTn id="1" dur="indefinite" restart="never" nodeType="tmRoot"/>
-      </p:par>
-    </p:tnLst>
-  </p:timing>
 </p:sld>
 </file>
 
@@ -14964,7 +14841,7 @@
           <a:lstStyle/>
           <a:p>
             <a:r>
-              <a:rPr lang="en-US" altLang="ko-KR" dirty="0" smtClean="0"/>
+              <a:rPr lang="en-US" altLang="ko-KR" dirty="0"/>
               <a:t>Discussion</a:t>
             </a:r>
             <a:endParaRPr lang="ko-KR" altLang="en-US" dirty="0"/>
@@ -14987,13 +14864,13 @@
           <a:lstStyle/>
           <a:p>
             <a:r>
-              <a:rPr lang="en-US" altLang="ko-KR" dirty="0" smtClean="0"/>
+              <a:rPr lang="en-US" altLang="ko-KR" dirty="0"/>
               <a:t>Couldn’t find any significant pattern on rate of eye blink</a:t>
             </a:r>
           </a:p>
           <a:p>
             <a:r>
-              <a:rPr lang="en-US" altLang="ko-KR" dirty="0" smtClean="0"/>
+              <a:rPr lang="en-US" altLang="ko-KR" dirty="0"/>
               <a:t>Could find a decrease on rate of eye blink when reading. </a:t>
             </a:r>
           </a:p>
@@ -15003,58 +14880,41 @@
             </a:pPr>
             <a:r>
               <a:rPr lang="en-US" altLang="ko-KR" dirty="0"/>
-              <a:t> </a:t>
-            </a:r>
-            <a:r>
-              <a:rPr lang="en-US" altLang="ko-KR" dirty="0" smtClean="0"/>
-              <a:t> - Regardless of type </a:t>
-            </a:r>
-            <a:r>
-              <a:rPr lang="en-US" altLang="ko-KR" smtClean="0"/>
-              <a:t>of </a:t>
-            </a:r>
-            <a:r>
-              <a:rPr lang="en-US" altLang="ko-KR" smtClean="0"/>
-              <a:t>material</a:t>
+              <a:t>  - Regardless of type </a:t>
+            </a:r>
+            <a:r>
+              <a:rPr lang="en-US" altLang="ko-KR"/>
+              <a:t>of material</a:t>
             </a:r>
           </a:p>
           <a:p>
             <a:pPr marL="39688" indent="0">
               <a:buNone/>
             </a:pPr>
-            <a:endParaRPr lang="en-US" altLang="ko-KR" dirty="0" smtClean="0"/>
-          </a:p>
-          <a:p>
-            <a:r>
-              <a:rPr lang="en-US" altLang="ko-KR" dirty="0" smtClean="0"/>
+            <a:endParaRPr lang="en-US" altLang="ko-KR" dirty="0"/>
+          </a:p>
+          <a:p>
+            <a:r>
+              <a:rPr lang="en-US" altLang="ko-KR" dirty="0"/>
               <a:t>Subjects with glasses tend to blink more frequently</a:t>
             </a:r>
-            <a:endParaRPr lang="en-US" altLang="ko-KR" dirty="0" smtClean="0"/>
-          </a:p>
-          <a:p>
-            <a:r>
-              <a:rPr lang="en-US" altLang="ko-KR" dirty="0" smtClean="0"/>
+          </a:p>
+          <a:p>
+            <a:r>
+              <a:rPr lang="en-US" altLang="ko-KR" dirty="0"/>
               <a:t>Interesting fact that people prefer text material in digital format</a:t>
             </a:r>
           </a:p>
           <a:p>
             <a:r>
-              <a:rPr lang="en-US" altLang="ko-KR" dirty="0" smtClean="0"/>
+              <a:rPr lang="en-US" altLang="ko-KR" dirty="0"/>
               <a:t>Lack of data</a:t>
             </a:r>
           </a:p>
           <a:p>
             <a:r>
-              <a:rPr lang="en-US" altLang="ko-KR" dirty="0" smtClean="0"/>
-              <a:t>Lack </a:t>
-            </a:r>
-            <a:r>
               <a:rPr lang="en-US" altLang="ko-KR" dirty="0"/>
-              <a:t>in </a:t>
-            </a:r>
-            <a:r>
-              <a:rPr lang="en-US" altLang="ko-KR" dirty="0" smtClean="0"/>
-              <a:t>accuracy of counting eye blink</a:t>
+              <a:t>Lack in accuracy of counting eye blink</a:t>
             </a:r>
           </a:p>
           <a:p>
@@ -15138,10 +14998,9 @@
           <a:lstStyle/>
           <a:p>
             <a:r>
-              <a:rPr lang="en-US" dirty="0" smtClean="0"/>
+              <a:rPr lang="en-US" dirty="0"/>
               <a:t>Outline</a:t>
             </a:r>
-            <a:endParaRPr lang="en-US" dirty="0"/>
           </a:p>
         </p:txBody>
       </p:sp>
@@ -15161,25 +15020,25 @@
           <a:lstStyle/>
           <a:p>
             <a:r>
-              <a:rPr lang="en-US" dirty="0" smtClean="0"/>
+              <a:rPr lang="en-US" dirty="0"/>
               <a:t>Research Question</a:t>
             </a:r>
           </a:p>
           <a:p>
             <a:r>
-              <a:rPr lang="en-US" dirty="0" smtClean="0"/>
+              <a:rPr lang="en-US" dirty="0"/>
               <a:t>Method and Experiment</a:t>
             </a:r>
           </a:p>
           <a:p>
             <a:r>
-              <a:rPr lang="en-US" dirty="0" smtClean="0"/>
+              <a:rPr lang="en-US" dirty="0"/>
               <a:t>Result</a:t>
             </a:r>
           </a:p>
           <a:p>
             <a:r>
-              <a:rPr lang="en-US" dirty="0" smtClean="0"/>
+              <a:rPr lang="en-US" dirty="0"/>
               <a:t>Discussion </a:t>
             </a:r>
           </a:p>
@@ -15232,10 +15091,9 @@
           <a:lstStyle/>
           <a:p>
             <a:r>
-              <a:rPr lang="en-US" dirty="0" smtClean="0"/>
+              <a:rPr lang="en-US" dirty="0"/>
               <a:t>Research Question</a:t>
             </a:r>
-            <a:endParaRPr lang="en-US" dirty="0"/>
           </a:p>
         </p:txBody>
       </p:sp>
@@ -15255,13 +15113,13 @@
           <a:lstStyle/>
           <a:p>
             <a:r>
-              <a:rPr lang="en-US" dirty="0" smtClean="0"/>
-              <a:t>Comparison between physical format text and digital format text regarding to rate of eye blink</a:t>
-            </a:r>
-          </a:p>
-          <a:p>
-            <a:r>
-              <a:rPr lang="en-US" dirty="0" smtClean="0"/>
+              <a:rPr lang="en-US" dirty="0"/>
+              <a:t>Comparison between texts from hard copy and e-book regarding to the rate of eye blink</a:t>
+            </a:r>
+          </a:p>
+          <a:p>
+            <a:r>
+              <a:rPr lang="en-US" dirty="0"/>
               <a:t>Relation between eye blink and visual fatigue</a:t>
             </a:r>
           </a:p>
@@ -15269,13 +15127,13 @@
             <a:endParaRPr lang="en-US" dirty="0"/>
           </a:p>
           <a:p>
-            <a:endParaRPr lang="en-US" dirty="0" smtClean="0"/>
-          </a:p>
-          <a:p>
             <a:endParaRPr lang="en-US" dirty="0"/>
           </a:p>
           <a:p>
-            <a:endParaRPr lang="en-US" dirty="0" smtClean="0"/>
+            <a:endParaRPr lang="en-US" dirty="0"/>
+          </a:p>
+          <a:p>
+            <a:endParaRPr lang="en-US" dirty="0"/>
           </a:p>
           <a:p>
             <a:pPr>
@@ -15283,7 +15141,7 @@
               <a:buChar char="-"/>
             </a:pPr>
             <a:r>
-              <a:rPr lang="en-US" dirty="0" smtClean="0"/>
+              <a:rPr lang="en-US" dirty="0"/>
               <a:t>E-book gives more tiredness on eyes</a:t>
             </a:r>
           </a:p>
@@ -15293,7 +15151,7 @@
               <a:buChar char="-"/>
             </a:pPr>
             <a:r>
-              <a:rPr lang="en-US" dirty="0" smtClean="0"/>
+              <a:rPr lang="en-US" dirty="0"/>
               <a:t>Reading text increases rate of eye blink</a:t>
             </a:r>
           </a:p>
@@ -15346,10 +15204,9 @@
           <a:lstStyle/>
           <a:p>
             <a:r>
-              <a:rPr lang="en-US" dirty="0" smtClean="0"/>
+              <a:rPr lang="en-US" dirty="0"/>
               <a:t>Method and Experiment</a:t>
             </a:r>
-            <a:endParaRPr lang="en-US" dirty="0"/>
           </a:p>
         </p:txBody>
       </p:sp>
@@ -15402,23 +15259,22 @@
           <a:lstStyle/>
           <a:p>
             <a:r>
-              <a:rPr lang="en-US" altLang="ko-KR" dirty="0" smtClean="0"/>
+              <a:rPr lang="en-US" altLang="ko-KR" dirty="0"/>
               <a:t>- 6 participants	- 2 of younger age group (21-22)		- 3 of computer major 									   students</a:t>
             </a:r>
+          </a:p>
+          <a:p>
+            <a:r>
+              <a:rPr lang="en-US" altLang="ko-KR" dirty="0"/>
+              <a:t>- 2 female 		- 4 of older age group (25-32)</a:t>
+            </a:r>
+          </a:p>
+          <a:p>
             <a:endParaRPr lang="en-US" altLang="ko-KR" dirty="0"/>
           </a:p>
           <a:p>
             <a:r>
-              <a:rPr lang="en-US" altLang="ko-KR" dirty="0" smtClean="0"/>
-              <a:t>- 2 female 		- 4 of older age group (25-32)</a:t>
-            </a:r>
-          </a:p>
-          <a:p>
-            <a:endParaRPr lang="en-US" altLang="ko-KR" dirty="0"/>
-          </a:p>
-          <a:p>
-            <a:r>
-              <a:rPr lang="en-US" altLang="ko-KR" dirty="0" smtClean="0"/>
+              <a:rPr lang="en-US" altLang="ko-KR" dirty="0"/>
               <a:t>- 4 male		- 3 wear a glasses</a:t>
             </a:r>
             <a:endParaRPr lang="ko-KR" altLang="en-US" dirty="0"/>
@@ -15472,10 +15328,9 @@
           <a:lstStyle/>
           <a:p>
             <a:r>
-              <a:rPr lang="en-US" dirty="0" smtClean="0"/>
+              <a:rPr lang="en-US" dirty="0"/>
               <a:t>Result</a:t>
             </a:r>
-            <a:endParaRPr lang="en-US" dirty="0"/>
           </a:p>
         </p:txBody>
       </p:sp>
@@ -15550,10 +15405,9 @@
           <a:lstStyle/>
           <a:p>
             <a:r>
-              <a:rPr lang="en-US" dirty="0" smtClean="0"/>
+              <a:rPr lang="en-US" dirty="0"/>
               <a:t>Result</a:t>
             </a:r>
-            <a:endParaRPr lang="en-US" dirty="0"/>
           </a:p>
         </p:txBody>
       </p:sp>
@@ -15628,10 +15482,9 @@
           <a:lstStyle/>
           <a:p>
             <a:r>
-              <a:rPr lang="en-US" dirty="0" smtClean="0"/>
+              <a:rPr lang="en-US" dirty="0"/>
               <a:t>Result</a:t>
             </a:r>
-            <a:endParaRPr lang="en-US" dirty="0"/>
           </a:p>
         </p:txBody>
       </p:sp>
@@ -15706,10 +15559,9 @@
           <a:lstStyle/>
           <a:p>
             <a:r>
-              <a:rPr lang="en-US" dirty="0" smtClean="0"/>
+              <a:rPr lang="en-US" dirty="0"/>
               <a:t>Result</a:t>
             </a:r>
-            <a:endParaRPr lang="en-US" dirty="0"/>
           </a:p>
         </p:txBody>
       </p:sp>
@@ -15784,10 +15636,9 @@
           <a:lstStyle/>
           <a:p>
             <a:r>
-              <a:rPr lang="en-US" dirty="0" smtClean="0"/>
+              <a:rPr lang="en-US" dirty="0"/>
               <a:t>Result</a:t>
             </a:r>
-            <a:endParaRPr lang="en-US" dirty="0"/>
           </a:p>
         </p:txBody>
       </p:sp>
@@ -15826,13 +15677,6 @@
     <a:masterClrMapping/>
   </p:clrMapOvr>
   <p:transition/>
-  <p:timing>
-    <p:tnLst>
-      <p:par>
-        <p:cTn id="1" dur="indefinite" restart="never" nodeType="tmRoot"/>
-      </p:par>
-    </p:tnLst>
-  </p:timing>
 </p:sld>
 </file>
 
@@ -16082,7 +15926,7 @@
         <a:effectLst/>
         <a:extLst>
           <a:ext uri="{AF507438-7753-43e0-B8FC-AC1667EBCBE1}">
-            <a14:hiddenEffects xmlns="" xmlns:a14="http://schemas.microsoft.com/office/drawing/2010/main">
+            <a14:hiddenEffects xmlns:a14="http://schemas.microsoft.com/office/drawing/2010/main" xmlns="">
               <a:effectLst>
                 <a:outerShdw blurRad="63500" dist="38099" dir="2700000" algn="ctr" rotWithShape="0">
                   <a:schemeClr val="bg2">
@@ -16160,7 +16004,7 @@
         <a:effectLst/>
         <a:extLst>
           <a:ext uri="{AF507438-7753-43e0-B8FC-AC1667EBCBE1}">
-            <a14:hiddenEffects xmlns="" xmlns:a14="http://schemas.microsoft.com/office/drawing/2010/main">
+            <a14:hiddenEffects xmlns:a14="http://schemas.microsoft.com/office/drawing/2010/main" xmlns="">
               <a:effectLst>
                 <a:outerShdw blurRad="63500" dist="38099" dir="2700000" algn="ctr" rotWithShape="0">
                   <a:schemeClr val="bg2">
@@ -16502,7 +16346,7 @@
         <a:effectLst/>
         <a:extLst>
           <a:ext uri="{AF507438-7753-43e0-B8FC-AC1667EBCBE1}">
-            <a14:hiddenEffects xmlns="" xmlns:a14="http://schemas.microsoft.com/office/drawing/2010/main">
+            <a14:hiddenEffects xmlns:a14="http://schemas.microsoft.com/office/drawing/2010/main" xmlns="">
               <a:effectLst>
                 <a:outerShdw blurRad="63500" dist="38099" dir="2700000" algn="ctr" rotWithShape="0">
                   <a:schemeClr val="bg2">
@@ -16580,7 +16424,7 @@
         <a:effectLst/>
         <a:extLst>
           <a:ext uri="{AF507438-7753-43e0-B8FC-AC1667EBCBE1}">
-            <a14:hiddenEffects xmlns="" xmlns:a14="http://schemas.microsoft.com/office/drawing/2010/main">
+            <a14:hiddenEffects xmlns:a14="http://schemas.microsoft.com/office/drawing/2010/main" xmlns="">
               <a:effectLst>
                 <a:outerShdw blurRad="63500" dist="38099" dir="2700000" algn="ctr" rotWithShape="0">
                   <a:schemeClr val="bg2">
@@ -16922,7 +16766,7 @@
         <a:effectLst/>
         <a:extLst>
           <a:ext uri="{AF507438-7753-43e0-B8FC-AC1667EBCBE1}">
-            <a14:hiddenEffects xmlns="" xmlns:a14="http://schemas.microsoft.com/office/drawing/2010/main">
+            <a14:hiddenEffects xmlns:a14="http://schemas.microsoft.com/office/drawing/2010/main" xmlns="">
               <a:effectLst>
                 <a:outerShdw blurRad="63500" dist="38099" dir="2700000" algn="ctr" rotWithShape="0">
                   <a:schemeClr val="bg2">
@@ -17000,7 +16844,7 @@
         <a:effectLst/>
         <a:extLst>
           <a:ext uri="{AF507438-7753-43e0-B8FC-AC1667EBCBE1}">
-            <a14:hiddenEffects xmlns="" xmlns:a14="http://schemas.microsoft.com/office/drawing/2010/main">
+            <a14:hiddenEffects xmlns:a14="http://schemas.microsoft.com/office/drawing/2010/main" xmlns="">
               <a:effectLst>
                 <a:outerShdw blurRad="63500" dist="38099" dir="2700000" algn="ctr" rotWithShape="0">
                   <a:schemeClr val="bg2">
@@ -17342,7 +17186,7 @@
         <a:effectLst/>
         <a:extLst>
           <a:ext uri="{AF507438-7753-43e0-B8FC-AC1667EBCBE1}">
-            <a14:hiddenEffects xmlns="" xmlns:a14="http://schemas.microsoft.com/office/drawing/2010/main">
+            <a14:hiddenEffects xmlns:a14="http://schemas.microsoft.com/office/drawing/2010/main" xmlns="">
               <a:effectLst>
                 <a:outerShdw blurRad="63500" dist="38099" dir="2700000" algn="ctr" rotWithShape="0">
                   <a:schemeClr val="bg2">
@@ -17420,7 +17264,7 @@
         <a:effectLst/>
         <a:extLst>
           <a:ext uri="{AF507438-7753-43e0-B8FC-AC1667EBCBE1}">
-            <a14:hiddenEffects xmlns="" xmlns:a14="http://schemas.microsoft.com/office/drawing/2010/main">
+            <a14:hiddenEffects xmlns:a14="http://schemas.microsoft.com/office/drawing/2010/main" xmlns="">
               <a:effectLst>
                 <a:outerShdw blurRad="63500" dist="38099" dir="2700000" algn="ctr" rotWithShape="0">
                   <a:schemeClr val="bg2">
@@ -17762,7 +17606,7 @@
         <a:effectLst/>
         <a:extLst>
           <a:ext uri="{AF507438-7753-43e0-B8FC-AC1667EBCBE1}">
-            <a14:hiddenEffects xmlns="" xmlns:a14="http://schemas.microsoft.com/office/drawing/2010/main">
+            <a14:hiddenEffects xmlns:a14="http://schemas.microsoft.com/office/drawing/2010/main" xmlns="">
               <a:effectLst>
                 <a:outerShdw blurRad="63500" dist="38099" dir="2700000" algn="ctr" rotWithShape="0">
                   <a:schemeClr val="bg2">
@@ -17840,7 +17684,7 @@
         <a:effectLst/>
         <a:extLst>
           <a:ext uri="{AF507438-7753-43e0-B8FC-AC1667EBCBE1}">
-            <a14:hiddenEffects xmlns="" xmlns:a14="http://schemas.microsoft.com/office/drawing/2010/main">
+            <a14:hiddenEffects xmlns:a14="http://schemas.microsoft.com/office/drawing/2010/main" xmlns="">
               <a:effectLst>
                 <a:outerShdw blurRad="63500" dist="38099" dir="2700000" algn="ctr" rotWithShape="0">
                   <a:schemeClr val="bg2">
